--- a/ML2.pptx
+++ b/ML2.pptx
@@ -5,10 +5,10 @@
     <p:sldMasterId id="2147483660" r:id="rId1"/>
   </p:sldMasterIdLst>
   <p:notesMasterIdLst>
-    <p:notesMasterId r:id="rId60"/>
+    <p:notesMasterId r:id="rId55"/>
   </p:notesMasterIdLst>
   <p:handoutMasterIdLst>
-    <p:handoutMasterId r:id="rId61"/>
+    <p:handoutMasterId r:id="rId56"/>
   </p:handoutMasterIdLst>
   <p:sldIdLst>
     <p:sldId id="323" r:id="rId2"/>
@@ -58,71 +58,66 @@
     <p:sldId id="309" r:id="rId46"/>
     <p:sldId id="310" r:id="rId47"/>
     <p:sldId id="311" r:id="rId48"/>
-    <p:sldId id="312" r:id="rId49"/>
-    <p:sldId id="313" r:id="rId50"/>
-    <p:sldId id="314" r:id="rId51"/>
-    <p:sldId id="315" r:id="rId52"/>
-    <p:sldId id="316" r:id="rId53"/>
-    <p:sldId id="317" r:id="rId54"/>
-    <p:sldId id="318" r:id="rId55"/>
-    <p:sldId id="319" r:id="rId56"/>
-    <p:sldId id="320" r:id="rId57"/>
-    <p:sldId id="321" r:id="rId58"/>
-    <p:sldId id="322" r:id="rId59"/>
+    <p:sldId id="314" r:id="rId49"/>
+    <p:sldId id="315" r:id="rId50"/>
+    <p:sldId id="316" r:id="rId51"/>
+    <p:sldId id="320" r:id="rId52"/>
+    <p:sldId id="321" r:id="rId53"/>
+    <p:sldId id="322" r:id="rId54"/>
   </p:sldIdLst>
   <p:sldSz cx="9144000" cy="6858000" type="screen4x3"/>
   <p:notesSz cx="6794500" cy="9918700"/>
   <p:embeddedFontLst>
     <p:embeddedFont>
       <p:font typeface="Calibri" panose="020F0502020204030204" pitchFamily="34" charset="0"/>
-      <p:regular r:id="rId62"/>
-      <p:bold r:id="rId63"/>
-      <p:italic r:id="rId64"/>
-      <p:boldItalic r:id="rId65"/>
+      <p:regular r:id="rId57"/>
+      <p:bold r:id="rId58"/>
+      <p:italic r:id="rId59"/>
+      <p:boldItalic r:id="rId60"/>
     </p:embeddedFont>
     <p:embeddedFont>
       <p:font typeface="CMBX10" panose="020B0500000000000000" pitchFamily="34" charset="0"/>
+      <p:regular r:id="rId61"/>
+    </p:embeddedFont>
+    <p:embeddedFont>
+      <p:font typeface="CMBX10" panose="020B0500000000000000" pitchFamily="34" charset="0"/>
+      <p:regular r:id="rId61"/>
+    </p:embeddedFont>
+    <p:embeddedFont>
+      <p:font typeface="cmbx12" panose="020B0500000000000000" pitchFamily="34" charset="0"/>
+      <p:regular r:id="rId62"/>
+    </p:embeddedFont>
+    <p:embeddedFont>
+      <p:font typeface="CMMI12" panose="020B0500000000000000" pitchFamily="34" charset="0"/>
+      <p:regular r:id="rId63"/>
+    </p:embeddedFont>
+    <p:embeddedFont>
+      <p:font typeface="CMMI12" panose="020B0500000000000000" pitchFamily="34" charset="0"/>
+      <p:regular r:id="rId63"/>
+    </p:embeddedFont>
+    <p:embeddedFont>
+      <p:font typeface="CMR12" panose="020B0500000000000000" pitchFamily="34" charset="0"/>
+      <p:regular r:id="rId64"/>
+    </p:embeddedFont>
+    <p:embeddedFont>
+      <p:font typeface="CMR12" panose="020B0500000000000000" pitchFamily="34" charset="0"/>
+      <p:regular r:id="rId64"/>
+    </p:embeddedFont>
+    <p:embeddedFont>
+      <p:font typeface="cmssbx10" panose="020B0500000000000000" pitchFamily="34" charset="0"/>
+      <p:regular r:id="rId65"/>
+    </p:embeddedFont>
+    <p:embeddedFont>
+      <p:font typeface="cmsy10" panose="020B0500000000000000" pitchFamily="34" charset="0"/>
       <p:regular r:id="rId66"/>
     </p:embeddedFont>
     <p:embeddedFont>
-      <p:font typeface="CMBX10" panose="020B0500000000000000" pitchFamily="34" charset="0"/>
-      <p:regular r:id="rId66"/>
-    </p:embeddedFont>
-    <p:embeddedFont>
-      <p:font typeface="cmbx12" panose="020B0500000000000000" pitchFamily="34" charset="0"/>
+      <p:font typeface="msbm10" panose="020B0500000000000000" pitchFamily="34" charset="0"/>
       <p:regular r:id="rId67"/>
-    </p:embeddedFont>
-    <p:embeddedFont>
-      <p:font typeface="CMMI12" panose="020B0500000000000000" pitchFamily="34" charset="0"/>
-      <p:regular r:id="rId68"/>
-    </p:embeddedFont>
-    <p:embeddedFont>
-      <p:font typeface="CMMI12" panose="020B0500000000000000" pitchFamily="34" charset="0"/>
-      <p:regular r:id="rId68"/>
-    </p:embeddedFont>
-    <p:embeddedFont>
-      <p:font typeface="CMR12" panose="020B0500000000000000" pitchFamily="34" charset="0"/>
-      <p:regular r:id="rId69"/>
-    </p:embeddedFont>
-    <p:embeddedFont>
-      <p:font typeface="CMR12" panose="020B0500000000000000" pitchFamily="34" charset="0"/>
-      <p:regular r:id="rId69"/>
-    </p:embeddedFont>
-    <p:embeddedFont>
-      <p:font typeface="cmssbx10" panose="020B0500000000000000" pitchFamily="34" charset="0"/>
-      <p:regular r:id="rId70"/>
-    </p:embeddedFont>
-    <p:embeddedFont>
-      <p:font typeface="cmsy10" panose="020B0500000000000000" pitchFamily="34" charset="0"/>
-      <p:regular r:id="rId71"/>
-    </p:embeddedFont>
-    <p:embeddedFont>
-      <p:font typeface="msbm10" panose="020B0500000000000000" pitchFamily="34" charset="0"/>
-      <p:regular r:id="rId72"/>
     </p:embeddedFont>
   </p:embeddedFontLst>
   <p:custDataLst>
-    <p:tags r:id="rId73"/>
+    <p:tags r:id="rId68"/>
   </p:custDataLst>
   <p:defaultTextStyle>
     <a:defPPr>
@@ -341,7 +336,7 @@
             <a:fld id="{E7E810F5-0D08-4D03-84F4-008A88ACC171}" type="datetimeFigureOut">
               <a:rPr lang="en-US" smtClean="0"/>
               <a:pPr/>
-              <a:t>10/6/25</a:t>
+              <a:t>10/12/25</a:t>
             </a:fld>
             <a:endParaRPr lang="en-GB"/>
           </a:p>
@@ -508,7 +503,7 @@
             <a:fld id="{3C7B7E9D-307C-4F43-B508-A2CDC8AE20DA}" type="datetimeFigureOut">
               <a:rPr lang="en-US" smtClean="0"/>
               <a:pPr/>
-              <a:t>10/6/25</a:t>
+              <a:t>10/12/25</a:t>
             </a:fld>
             <a:endParaRPr lang="en-GB"/>
           </a:p>
@@ -1038,7 +1033,7 @@
             <a:fld id="{CB4E2D75-176A-4731-8E9E-D5878C72AE7C}" type="datetimeFigureOut">
               <a:rPr lang="en-US" smtClean="0"/>
               <a:pPr/>
-              <a:t>10/6/25</a:t>
+              <a:t>10/12/25</a:t>
             </a:fld>
             <a:endParaRPr lang="en-GB"/>
           </a:p>
@@ -1256,7 +1251,7 @@
             <a:fld id="{CB4E2D75-176A-4731-8E9E-D5878C72AE7C}" type="datetimeFigureOut">
               <a:rPr lang="en-US" smtClean="0"/>
               <a:pPr/>
-              <a:t>10/6/25</a:t>
+              <a:t>10/12/25</a:t>
             </a:fld>
             <a:endParaRPr lang="en-GB"/>
           </a:p>
@@ -1454,7 +1449,7 @@
             <a:fld id="{CB4E2D75-176A-4731-8E9E-D5878C72AE7C}" type="datetimeFigureOut">
               <a:rPr lang="en-US" smtClean="0"/>
               <a:pPr/>
-              <a:t>10/6/25</a:t>
+              <a:t>10/12/25</a:t>
             </a:fld>
             <a:endParaRPr lang="en-GB"/>
           </a:p>
@@ -1653,7 +1648,7 @@
             <a:fld id="{CB4E2D75-176A-4731-8E9E-D5878C72AE7C}" type="datetimeFigureOut">
               <a:rPr lang="en-US" smtClean="0"/>
               <a:pPr/>
-              <a:t>10/6/25</a:t>
+              <a:t>10/12/25</a:t>
             </a:fld>
             <a:endParaRPr lang="en-GB"/>
           </a:p>
@@ -1961,7 +1956,7 @@
             <a:fld id="{CB4E2D75-176A-4731-8E9E-D5878C72AE7C}" type="datetimeFigureOut">
               <a:rPr lang="en-US" smtClean="0"/>
               <a:pPr/>
-              <a:t>10/6/25</a:t>
+              <a:t>10/12/25</a:t>
             </a:fld>
             <a:endParaRPr lang="en-GB"/>
           </a:p>
@@ -2327,7 +2322,7 @@
             <a:fld id="{CB4E2D75-176A-4731-8E9E-D5878C72AE7C}" type="datetimeFigureOut">
               <a:rPr lang="en-US" smtClean="0"/>
               <a:pPr/>
-              <a:t>10/6/25</a:t>
+              <a:t>10/12/25</a:t>
             </a:fld>
             <a:endParaRPr lang="en-GB"/>
           </a:p>
@@ -2821,7 +2816,7 @@
             <a:fld id="{CB4E2D75-176A-4731-8E9E-D5878C72AE7C}" type="datetimeFigureOut">
               <a:rPr lang="en-US" smtClean="0"/>
               <a:pPr/>
-              <a:t>10/6/25</a:t>
+              <a:t>10/12/25</a:t>
             </a:fld>
             <a:endParaRPr lang="en-GB"/>
           </a:p>
@@ -2978,7 +2973,7 @@
             <a:fld id="{CB4E2D75-176A-4731-8E9E-D5878C72AE7C}" type="datetimeFigureOut">
               <a:rPr lang="en-US" smtClean="0"/>
               <a:pPr/>
-              <a:t>10/6/25</a:t>
+              <a:t>10/12/25</a:t>
             </a:fld>
             <a:endParaRPr lang="en-GB"/>
           </a:p>
@@ -3197,7 +3192,7 @@
             <a:fld id="{CB4E2D75-176A-4731-8E9E-D5878C72AE7C}" type="datetimeFigureOut">
               <a:rPr lang="en-US" smtClean="0"/>
               <a:pPr/>
-              <a:t>10/6/25</a:t>
+              <a:t>10/12/25</a:t>
             </a:fld>
             <a:endParaRPr lang="en-GB"/>
           </a:p>
@@ -3476,7 +3471,7 @@
             <a:fld id="{CB4E2D75-176A-4731-8E9E-D5878C72AE7C}" type="datetimeFigureOut">
               <a:rPr lang="en-US" smtClean="0"/>
               <a:pPr/>
-              <a:t>10/6/25</a:t>
+              <a:t>10/12/25</a:t>
             </a:fld>
             <a:endParaRPr lang="en-GB"/>
           </a:p>
@@ -3730,7 +3725,7 @@
             <a:fld id="{CB4E2D75-176A-4731-8E9E-D5878C72AE7C}" type="datetimeFigureOut">
               <a:rPr lang="en-US" smtClean="0"/>
               <a:pPr/>
-              <a:t>10/6/25</a:t>
+              <a:t>10/12/25</a:t>
             </a:fld>
             <a:endParaRPr lang="en-GB"/>
           </a:p>
@@ -3943,7 +3938,7 @@
             <a:fld id="{CB4E2D75-176A-4731-8E9E-D5878C72AE7C}" type="datetimeFigureOut">
               <a:rPr lang="en-US" smtClean="0"/>
               <a:pPr/>
-              <a:t>10/6/25</a:t>
+              <a:t>10/12/25</a:t>
             </a:fld>
             <a:endParaRPr lang="en-GB"/>
           </a:p>
@@ -8445,8 +8440,8 @@
         </p:blipFill>
         <p:spPr>
           <a:xfrm>
-            <a:off x="704340" y="2890493"/>
-            <a:ext cx="7734643" cy="2200372"/>
+            <a:off x="-309527" y="3407048"/>
+            <a:ext cx="8843927" cy="2515944"/>
           </a:xfrm>
         </p:spPr>
       </p:pic>
@@ -8519,7 +8514,7 @@
         </p:nvSpPr>
         <p:spPr>
           <a:xfrm>
-            <a:off x="3934374" y="2430202"/>
+            <a:off x="3520034" y="2609934"/>
             <a:ext cx="1643074" cy="369332"/>
           </a:xfrm>
           <a:prstGeom prst="rect">
@@ -8550,7 +8545,7 @@
         </p:nvSpPr>
         <p:spPr>
           <a:xfrm>
-            <a:off x="6588889" y="2428868"/>
+            <a:off x="6444208" y="2413944"/>
             <a:ext cx="1643074" cy="369332"/>
           </a:xfrm>
           <a:prstGeom prst="rect">
@@ -11016,7 +11011,7 @@
         </p:nvSpPr>
         <p:spPr>
           <a:xfrm>
-            <a:off x="600968" y="5286388"/>
+            <a:off x="481216" y="5084407"/>
             <a:ext cx="7929618" cy="1200329"/>
           </a:xfrm>
           <a:prstGeom prst="rect">
@@ -11084,7 +11079,7 @@
               <a:rPr lang="ru" sz="2800" dirty="0">
                 <a:latin typeface="cmbx12" pitchFamily="34" charset="0"/>
               </a:rPr>
-              <a:t>x </a:t>
+              <a:t>x</a:t>
             </a:r>
             <a:r>
               <a:rPr lang="ru" sz="2800" baseline="-20000" dirty="0">
@@ -11093,8 +11088,16 @@
               <a:t>n </a:t>
             </a:r>
             <a:r>
+              <a:rPr lang="en-US" sz="2800" dirty="0"/>
+              <a:t> </a:t>
+            </a:r>
+            <a:r>
+              <a:rPr lang="ru-RU" sz="2800" dirty="0"/>
+              <a:t>н</a:t>
+            </a:r>
+            <a:r>
               <a:rPr lang="ru" sz="2800" dirty="0"/>
-              <a:t>несут больший вес.</a:t>
+              <a:t>есут больший вес.</a:t>
             </a:r>
           </a:p>
         </p:txBody>
@@ -11540,7 +11543,7 @@
           <a:p>
             <a:r>
               <a:rPr lang="ru" dirty="0"/>
-              <a:t>Мы можем избежать использования базисных функций и определить функцию ядра напрямую, что приведет к </a:t>
+              <a:t>Можно избежать использования базисных функций и определить функцию ядра напрямую, что приведет к </a:t>
             </a:r>
             <a:r>
               <a:rPr lang="ru" i="1" dirty="0"/>
@@ -11917,7 +11920,7 @@
               <a:rPr lang="ru" sz="2800" dirty="0">
                 <a:latin typeface="cmsy10" pitchFamily="34" charset="0"/>
               </a:rPr>
-              <a:t>M </a:t>
+              <a:t>M</a:t>
             </a:r>
             <a:r>
               <a:rPr lang="ru" sz="2800" baseline="-20000" dirty="0">
@@ -12071,7 +12074,7 @@
               <a:pPr algn="r"/>
               <a:r>
                 <a:rPr lang="ru" dirty="0"/>
-                <a:t>Задний</a:t>
+                <a:t>Новый</a:t>
               </a:r>
             </a:p>
           </p:txBody>
@@ -12084,8 +12087,8 @@
           </p:nvSpPr>
           <p:spPr>
             <a:xfrm>
-              <a:off x="4357686" y="3786190"/>
-              <a:ext cx="642942" cy="369332"/>
+              <a:off x="4026886" y="3786190"/>
+              <a:ext cx="1214446" cy="369332"/>
             </a:xfrm>
             <a:prstGeom prst="rect">
               <a:avLst/>
@@ -12180,8 +12183,8 @@
         </p:blipFill>
         <p:spPr>
           <a:xfrm>
-            <a:off x="4328063" y="5729921"/>
-            <a:ext cx="1303023" cy="792483"/>
+            <a:off x="3396802" y="5562694"/>
+            <a:ext cx="1054899" cy="641577"/>
           </a:xfrm>
           <a:prstGeom prst="rect">
             <a:avLst/>
@@ -12267,22 +12270,22 @@
               <a:rPr lang="ru" dirty="0">
                 <a:latin typeface="cmr12" pitchFamily="34" charset="0"/>
               </a:rPr>
-              <a:t>( </a:t>
-            </a:r>
-            <a:r>
-              <a:rPr lang="ru" dirty="0" err="1">
+              <a:t>(</a:t>
+            </a:r>
+            <a:r>
+              <a:rPr lang="ru" dirty="0">
                 <a:latin typeface="cmsy10" pitchFamily="34" charset="0"/>
               </a:rPr>
               <a:t>M </a:t>
             </a:r>
             <a:r>
-              <a:rPr lang="ru" baseline="-20000" dirty="0" err="1">
+              <a:rPr lang="ru" baseline="-20000" dirty="0">
                 <a:latin typeface="cmmi12" pitchFamily="34" charset="0"/>
               </a:rPr>
               <a:t>i </a:t>
             </a:r>
             <a:r>
-              <a:rPr lang="ru" dirty="0" err="1">
+              <a:rPr lang="ru" dirty="0">
                 <a:latin typeface="cmsy10" pitchFamily="34" charset="0"/>
               </a:rPr>
               <a:t>jD </a:t>
@@ -12848,7 +12851,7 @@
             <a:pPr marL="0" indent="0"/>
             <a:r>
               <a:rPr lang="ru" dirty="0"/>
-              <a:t>где предполагается, что задняя часть имеет острый пик.</a:t>
+              <a:t>где предполагается, что апостериор имеет острый пик.</a:t>
             </a:r>
           </a:p>
         </p:txBody>
@@ -13420,14 +13423,15 @@
         <p:spPr/>
         <p:txBody>
           <a:bodyPr>
-            <a:normAutofit/>
+            <a:normAutofit fontScale="90000"/>
           </a:bodyPr>
           <a:lstStyle/>
           <a:p>
             <a:r>
-              <a:rPr lang="ru" dirty="0"/>
-              <a:t>Приближение доказательств (1)</a:t>
-            </a:r>
+              <a:rPr lang="ru-RU" dirty="0"/>
+              <a:t>Эффективное количество параметров </a:t>
+            </a:r>
+            <a:endParaRPr lang="ru" dirty="0"/>
           </a:p>
         </p:txBody>
       </p:sp>
@@ -13444,680 +13448,45 @@
         <p:spPr/>
         <p:txBody>
           <a:bodyPr>
-            <a:normAutofit fontScale="77500" lnSpcReduction="20000"/>
+            <a:normAutofit/>
           </a:bodyPr>
           <a:lstStyle/>
           <a:p>
             <a:r>
               <a:rPr lang="ru" sz="2800" dirty="0"/>
-              <a:t>Полностью байесовское предсказательное распределение задается формулой</a:t>
+              <a:t>Пример: синусоидальные данные, многочлен</a:t>
+            </a:r>
+            <a:r>
+              <a:rPr lang="ru" sz="2800" baseline="30000" dirty="0"/>
+              <a:t>  </a:t>
+            </a:r>
+            <a:r>
+              <a:rPr lang="ru" sz="2800" dirty="0"/>
+              <a:t>степени </a:t>
+            </a:r>
+            <a:r>
+              <a:rPr lang="ru" sz="2800" dirty="0">
+                <a:latin typeface="cmmi12" pitchFamily="34" charset="0"/>
+              </a:rPr>
+              <a:t>М</a:t>
+            </a:r>
+            <a:r>
+              <a:rPr lang="ru" sz="2800" dirty="0"/>
+              <a:t>,</a:t>
             </a:r>
           </a:p>
           <a:p>
             <a:endParaRPr lang="en-GB" sz="2800" dirty="0"/>
-          </a:p>
-          <a:p>
-            <a:endParaRPr lang="en-GB" sz="2800" dirty="0"/>
-          </a:p>
-          <a:p>
-            <a:r>
-              <a:rPr lang="ru" sz="2800" dirty="0"/>
-              <a:t>но этот интеграл труднорешаем. Приблизительно с</a:t>
-            </a:r>
-          </a:p>
-          <a:p>
-            <a:endParaRPr lang="en-GB" sz="2800" dirty="0"/>
-          </a:p>
-          <a:p>
-            <a:endParaRPr lang="en-GB" sz="2800" dirty="0"/>
-          </a:p>
-          <a:p>
-            <a:pPr marL="0" indent="0">
-              <a:lnSpc>
-                <a:spcPts val="4000"/>
-              </a:lnSpc>
-              <a:spcBef>
-                <a:spcPts val="0"/>
-              </a:spcBef>
-            </a:pPr>
-            <a:r>
-              <a:rPr lang="ru" sz="2800" dirty="0"/>
-              <a:t>где                — мода, которая, как предполагается, имеет острый пик; также известная как </a:t>
-            </a:r>
-            <a:r>
-              <a:rPr lang="ru" sz="2800" i="1" dirty="0"/>
-              <a:t>эмпирический байесовский метод, метод типа II </a:t>
-            </a:r>
-            <a:r>
-              <a:rPr lang="ru" sz="2800" dirty="0"/>
-              <a:t>или </a:t>
-            </a:r>
-            <a:r>
-              <a:rPr lang="ru" sz="2800" i="1" dirty="0"/>
-              <a:t>обобщенный метод максимального правдоподобия </a:t>
-            </a:r>
-            <a:r>
-              <a:rPr lang="ru" sz="2800" dirty="0"/>
-              <a:t>или </a:t>
-            </a:r>
-            <a:r>
-              <a:rPr lang="ru" sz="2800" i="1" dirty="0"/>
-              <a:t>приближение доказательств </a:t>
-            </a:r>
-            <a:r>
-              <a:rPr lang="ru" sz="2800" dirty="0"/>
-              <a:t>.</a:t>
-            </a:r>
           </a:p>
         </p:txBody>
       </p:sp>
       <p:pic>
         <p:nvPicPr>
-          <p:cNvPr id="5" name="Picture 4" descr="TP_tmp.png"/>
+          <p:cNvPr id="7" name="Picture 6" descr="TP_tmp.png"/>
           <p:cNvPicPr>
             <a:picLocks noChangeAspect="1"/>
           </p:cNvPicPr>
           <p:nvPr>
-            <p:custDataLst>
-              <p:tags r:id="rId1"/>
-            </p:custDataLst>
-          </p:nvPr>
-        </p:nvPicPr>
-        <p:blipFill>
-          <a:blip r:embed="rId6">
-            <a:clrChange>
-              <a:clrFrom>
-                <a:srgbClr val="FFFFFF"/>
-              </a:clrFrom>
-              <a:clrTo>
-                <a:srgbClr val="FFFFFF">
-                  <a:alpha val="0"/>
-                </a:srgbClr>
-              </a:clrTo>
-            </a:clrChange>
-          </a:blip>
-          <a:stretch>
-            <a:fillRect/>
-          </a:stretch>
-        </p:blipFill>
-        <p:spPr>
-          <a:xfrm>
-            <a:off x="1664201" y="2247894"/>
-            <a:ext cx="5815596" cy="609602"/>
-          </a:xfrm>
-          <a:prstGeom prst="rect">
-            <a:avLst/>
-          </a:prstGeom>
-          <a:noFill/>
-        </p:spPr>
-      </p:pic>
-      <p:pic>
-        <p:nvPicPr>
-          <p:cNvPr id="13" name="Picture 12" descr="TP_tmp.png"/>
-          <p:cNvPicPr>
-            <a:picLocks noChangeAspect="1"/>
-          </p:cNvPicPr>
-          <p:nvPr>
-            <p:custDataLst>
-              <p:tags r:id="rId2"/>
-            </p:custDataLst>
-          </p:nvPr>
-        </p:nvPicPr>
-        <p:blipFill>
-          <a:blip r:embed="rId7">
-            <a:clrChange>
-              <a:clrFrom>
-                <a:srgbClr val="FFFFFF"/>
-              </a:clrFrom>
-              <a:clrTo>
-                <a:srgbClr val="FFFFFF">
-                  <a:alpha val="0"/>
-                </a:srgbClr>
-              </a:clrTo>
-            </a:clrChange>
-          </a:blip>
-          <a:stretch>
-            <a:fillRect/>
-          </a:stretch>
-        </p:blipFill>
-        <p:spPr bwMode="auto">
-          <a:xfrm>
-            <a:off x="1414911" y="3200388"/>
-            <a:ext cx="5867423" cy="609603"/>
-          </a:xfrm>
-          <a:prstGeom prst="rect">
-            <a:avLst/>
-          </a:prstGeom>
-          <a:noFill/>
-          <a:ln/>
-          <a:effectLst/>
-        </p:spPr>
-      </p:pic>
-      <p:pic>
-        <p:nvPicPr>
-          <p:cNvPr id="12" name="Picture 11" descr="TP_tmp.png"/>
-          <p:cNvPicPr>
-            <a:picLocks noChangeAspect="1"/>
-          </p:cNvPicPr>
-          <p:nvPr>
-            <p:custDataLst>
-              <p:tags r:id="rId3"/>
-            </p:custDataLst>
-          </p:nvPr>
-        </p:nvPicPr>
-        <p:blipFill>
-          <a:blip r:embed="rId8">
-            <a:clrChange>
-              <a:clrFrom>
-                <a:srgbClr val="FFFFFF"/>
-              </a:clrFrom>
-              <a:clrTo>
-                <a:srgbClr val="FFFFFF">
-                  <a:alpha val="0"/>
-                </a:srgbClr>
-              </a:clrTo>
-            </a:clrChange>
-          </a:blip>
-          <a:stretch>
-            <a:fillRect/>
-          </a:stretch>
-        </p:blipFill>
-        <p:spPr bwMode="auto">
-          <a:xfrm>
-            <a:off x="1187624" y="3965109"/>
-            <a:ext cx="711024" cy="517703"/>
-          </a:xfrm>
-          <a:prstGeom prst="rect">
-            <a:avLst/>
-          </a:prstGeom>
-          <a:noFill/>
-          <a:ln/>
-          <a:effectLst/>
-        </p:spPr>
-      </p:pic>
-      <p:pic>
-        <p:nvPicPr>
-          <p:cNvPr id="15" name="Picture 14" descr="TP_tmp.png"/>
-          <p:cNvPicPr>
-            <a:picLocks noChangeAspect="1"/>
-          </p:cNvPicPr>
-          <p:nvPr>
-            <p:custDataLst>
-              <p:tags r:id="rId4"/>
-            </p:custDataLst>
-          </p:nvPr>
-        </p:nvPicPr>
-        <p:blipFill>
-          <a:blip r:embed="rId9">
-            <a:clrChange>
-              <a:clrFrom>
-                <a:srgbClr val="FFFFFF"/>
-              </a:clrFrom>
-              <a:clrTo>
-                <a:srgbClr val="FFFFFF">
-                  <a:alpha val="0"/>
-                </a:srgbClr>
-              </a:clrTo>
-            </a:clrChange>
-          </a:blip>
-          <a:stretch>
-            <a:fillRect/>
-          </a:stretch>
-        </p:blipFill>
-        <p:spPr>
-          <a:xfrm>
-            <a:off x="7956376" y="4482812"/>
-            <a:ext cx="1009195" cy="301447"/>
-          </a:xfrm>
-          <a:prstGeom prst="rect">
-            <a:avLst/>
-          </a:prstGeom>
-          <a:noFill/>
-        </p:spPr>
-      </p:pic>
-    </p:spTree>
-  </p:cSld>
-  <p:clrMapOvr>
-    <a:masterClrMapping/>
-  </p:clrMapOvr>
-</p:sld>
-</file>
-
-<file path=ppt/slides/slide49.xml><?xml version="1.0" encoding="utf-8"?>
-<p:sld xmlns:a="http://schemas.openxmlformats.org/drawingml/2006/main" xmlns:r="http://schemas.openxmlformats.org/officeDocument/2006/relationships" xmlns:p="http://schemas.openxmlformats.org/presentationml/2006/main">
-  <p:cSld>
-    <p:spTree>
-      <p:nvGrpSpPr>
-        <p:cNvPr id="1" name=""/>
-        <p:cNvGrpSpPr/>
-        <p:nvPr/>
-      </p:nvGrpSpPr>
-      <p:grpSpPr>
-        <a:xfrm>
-          <a:off x="0" y="0"/>
-          <a:ext cx="0" cy="0"/>
-          <a:chOff x="0" y="0"/>
-          <a:chExt cx="0" cy="0"/>
-        </a:xfrm>
-      </p:grpSpPr>
-      <p:sp>
-        <p:nvSpPr>
-          <p:cNvPr id="2" name="Title 1"/>
-          <p:cNvSpPr>
-            <a:spLocks noGrp="1"/>
-          </p:cNvSpPr>
-          <p:nvPr>
-            <p:ph type="title"/>
-          </p:nvPr>
-        </p:nvSpPr>
-        <p:spPr/>
-        <p:txBody>
-          <a:bodyPr>
-            <a:normAutofit/>
-          </a:bodyPr>
-          <a:lstStyle/>
-          <a:p>
-            <a:r>
-              <a:rPr lang="ru" dirty="0"/>
-              <a:t>Приближение доказательств (2)</a:t>
-            </a:r>
-          </a:p>
-        </p:txBody>
-      </p:sp>
-      <p:sp>
-        <p:nvSpPr>
-          <p:cNvPr id="3" name="Content Placeholder 2"/>
-          <p:cNvSpPr>
-            <a:spLocks noGrp="1"/>
-          </p:cNvSpPr>
-          <p:nvPr>
-            <p:ph idx="1"/>
-          </p:nvPr>
-        </p:nvSpPr>
-        <p:spPr/>
-        <p:txBody>
-          <a:bodyPr>
-            <a:normAutofit/>
-          </a:bodyPr>
-          <a:lstStyle/>
-          <a:p>
-            <a:r>
-              <a:rPr lang="ru" sz="2800" dirty="0"/>
-              <a:t>Из теоремы Байеса имеем</a:t>
-            </a:r>
-          </a:p>
-          <a:p>
-            <a:endParaRPr lang="en-GB" sz="2800" dirty="0"/>
-          </a:p>
-          <a:p>
-            <a:pPr>
-              <a:spcBef>
-                <a:spcPts val="1200"/>
-              </a:spcBef>
-            </a:pPr>
-            <a:r>
-              <a:rPr lang="ru" sz="2800" dirty="0"/>
-              <a:t>и если мы предположим, что </a:t>
-            </a:r>
-            <a:r>
-              <a:rPr lang="ru" sz="2800" dirty="0">
-                <a:latin typeface="cmmi12" pitchFamily="34" charset="0"/>
-              </a:rPr>
-              <a:t>p </a:t>
-            </a:r>
-            <a:r>
-              <a:rPr lang="ru" sz="2800" dirty="0">
-                <a:latin typeface="cmr12" pitchFamily="34" charset="0"/>
-              </a:rPr>
-              <a:t>( </a:t>
-            </a:r>
-            <a:r>
-              <a:rPr lang="ru" sz="2800" dirty="0">
-                <a:latin typeface="cmmi12" pitchFamily="34" charset="0"/>
-              </a:rPr>
-              <a:t>® </a:t>
-            </a:r>
-            <a:r>
-              <a:rPr lang="ru" sz="2800" dirty="0">
-                <a:latin typeface="cmr12" pitchFamily="34" charset="0"/>
-              </a:rPr>
-              <a:t>, </a:t>
-            </a:r>
-            <a:r>
-              <a:rPr lang="ru" sz="2800" dirty="0">
-                <a:latin typeface="cmmi12" pitchFamily="34" charset="0"/>
-              </a:rPr>
-              <a:t>¯ </a:t>
-            </a:r>
-            <a:r>
-              <a:rPr lang="ru" sz="2800" dirty="0">
-                <a:latin typeface="cmr12" pitchFamily="34" charset="0"/>
-              </a:rPr>
-              <a:t>) </a:t>
-            </a:r>
-            <a:r>
-              <a:rPr lang="ru" sz="2800" dirty="0"/>
-              <a:t>плоский, мы увидим, что</a:t>
-            </a:r>
-          </a:p>
-          <a:p>
-            <a:pPr>
-              <a:spcBef>
-                <a:spcPts val="1200"/>
-              </a:spcBef>
-            </a:pPr>
-            <a:endParaRPr lang="en-GB" sz="2800" dirty="0"/>
-          </a:p>
-          <a:p>
-            <a:pPr>
-              <a:spcBef>
-                <a:spcPts val="1200"/>
-              </a:spcBef>
-            </a:pPr>
-            <a:endParaRPr lang="en-GB" sz="2800" dirty="0"/>
-          </a:p>
-          <a:p>
-            <a:pPr>
-              <a:spcBef>
-                <a:spcPts val="1200"/>
-              </a:spcBef>
-            </a:pPr>
-            <a:r>
-              <a:rPr lang="ru" sz="2800" dirty="0"/>
-              <a:t>Общие результаты для гауссовых интегралов дают</a:t>
-            </a:r>
-            <a:endParaRPr lang="en-GB" sz="2800" dirty="0">
-              <a:latin typeface="cmr12" pitchFamily="34" charset="0"/>
-            </a:endParaRPr>
-          </a:p>
-          <a:p>
-            <a:endParaRPr lang="en-GB" sz="2800" dirty="0"/>
-          </a:p>
-        </p:txBody>
-      </p:sp>
-      <p:pic>
-        <p:nvPicPr>
-          <p:cNvPr id="14" name="Picture 13" descr="TP_tmp.png"/>
-          <p:cNvPicPr>
-            <a:picLocks noChangeAspect="1"/>
-          </p:cNvPicPr>
-          <p:nvPr>
-            <p:custDataLst>
-              <p:tags r:id="rId1"/>
-            </p:custDataLst>
-          </p:nvPr>
-        </p:nvPicPr>
-        <p:blipFill>
-          <a:blip r:embed="rId5">
-            <a:clrChange>
-              <a:clrFrom>
-                <a:srgbClr val="FFFFFF"/>
-              </a:clrFrom>
-              <a:clrTo>
-                <a:srgbClr val="FFFFFF">
-                  <a:alpha val="0"/>
-                </a:srgbClr>
-              </a:clrTo>
-            </a:clrChange>
-          </a:blip>
-          <a:stretch>
-            <a:fillRect/>
-          </a:stretch>
-        </p:blipFill>
-        <p:spPr bwMode="auto">
-          <a:xfrm>
-            <a:off x="3096783" y="2291328"/>
-            <a:ext cx="2947422" cy="280416"/>
-          </a:xfrm>
-          <a:prstGeom prst="rect">
-            <a:avLst/>
-          </a:prstGeom>
-          <a:noFill/>
-          <a:ln/>
-          <a:effectLst/>
-        </p:spPr>
-      </p:pic>
-      <p:pic>
-        <p:nvPicPr>
-          <p:cNvPr id="10" name="Picture 9" descr="TP_tmp.png"/>
-          <p:cNvPicPr>
-            <a:picLocks noChangeAspect="1"/>
-          </p:cNvPicPr>
-          <p:nvPr>
-            <p:custDataLst>
-              <p:tags r:id="rId2"/>
-            </p:custDataLst>
-          </p:nvPr>
-        </p:nvPicPr>
-        <p:blipFill>
-          <a:blip r:embed="rId6">
-            <a:clrChange>
-              <a:clrFrom>
-                <a:srgbClr val="FFFFFF"/>
-              </a:clrFrom>
-              <a:clrTo>
-                <a:srgbClr val="FFFFFF">
-                  <a:alpha val="0"/>
-                </a:srgbClr>
-              </a:clrTo>
-            </a:clrChange>
-          </a:blip>
-          <a:stretch>
-            <a:fillRect/>
-          </a:stretch>
-        </p:blipFill>
-        <p:spPr bwMode="auto">
-          <a:xfrm>
-            <a:off x="2486409" y="3418908"/>
-            <a:ext cx="4166624" cy="938786"/>
-          </a:xfrm>
-          <a:prstGeom prst="rect">
-            <a:avLst/>
-          </a:prstGeom>
-          <a:noFill/>
-          <a:ln/>
-          <a:effectLst/>
-        </p:spPr>
-      </p:pic>
-      <p:pic>
-        <p:nvPicPr>
-          <p:cNvPr id="17" name="Picture 16" descr="TP_tmp.png"/>
-          <p:cNvPicPr>
-            <a:picLocks noChangeAspect="1"/>
-          </p:cNvPicPr>
-          <p:nvPr>
-            <p:custDataLst>
-              <p:tags r:id="rId3"/>
-            </p:custDataLst>
-          </p:nvPr>
-        </p:nvPicPr>
-        <p:blipFill>
-          <a:blip r:embed="rId7">
-            <a:clrChange>
-              <a:clrFrom>
-                <a:srgbClr val="FFFFFF"/>
-              </a:clrFrom>
-              <a:clrTo>
-                <a:srgbClr val="FFFFFF">
-                  <a:alpha val="0"/>
-                </a:srgbClr>
-              </a:clrTo>
-            </a:clrChange>
-          </a:blip>
-          <a:stretch>
-            <a:fillRect/>
-          </a:stretch>
-        </p:blipFill>
-        <p:spPr>
-          <a:xfrm>
-            <a:off x="978401" y="5143512"/>
-            <a:ext cx="7187197" cy="557786"/>
-          </a:xfrm>
-          <a:prstGeom prst="rect">
-            <a:avLst/>
-          </a:prstGeom>
-          <a:noFill/>
-        </p:spPr>
-      </p:pic>
-    </p:spTree>
-  </p:cSld>
-  <p:clrMapOvr>
-    <a:masterClrMapping/>
-  </p:clrMapOvr>
-</p:sld>
-</file>
-
-<file path=ppt/slides/slide5.xml><?xml version="1.0" encoding="utf-8"?>
-<p:sld xmlns:a="http://schemas.openxmlformats.org/drawingml/2006/main" xmlns:r="http://schemas.openxmlformats.org/officeDocument/2006/relationships" xmlns:p="http://schemas.openxmlformats.org/presentationml/2006/main">
-  <p:cSld>
-    <p:spTree>
-      <p:nvGrpSpPr>
-        <p:cNvPr id="1" name=""/>
-        <p:cNvGrpSpPr/>
-        <p:nvPr/>
-      </p:nvGrpSpPr>
-      <p:grpSpPr>
-        <a:xfrm>
-          <a:off x="0" y="0"/>
-          <a:ext cx="0" cy="0"/>
-          <a:chOff x="0" y="0"/>
-          <a:chExt cx="0" cy="0"/>
-        </a:xfrm>
-      </p:grpSpPr>
-      <p:sp>
-        <p:nvSpPr>
-          <p:cNvPr id="4" name="Title 3"/>
-          <p:cNvSpPr>
-            <a:spLocks noGrp="1"/>
-          </p:cNvSpPr>
-          <p:nvPr>
-            <p:ph type="title"/>
-          </p:nvPr>
-        </p:nvSpPr>
-        <p:spPr/>
-        <p:txBody>
-          <a:bodyPr>
-            <a:normAutofit/>
-          </a:bodyPr>
-          <a:lstStyle/>
-          <a:p>
-            <a:r>
-              <a:rPr lang="ru-RU" dirty="0"/>
-              <a:t>Модели с базисными функциями</a:t>
-            </a:r>
-            <a:r>
-              <a:rPr lang="ru" dirty="0"/>
-              <a:t> (4)</a:t>
-            </a:r>
-          </a:p>
-        </p:txBody>
-      </p:sp>
-      <p:sp>
-        <p:nvSpPr>
-          <p:cNvPr id="10" name="Content Placeholder 9"/>
-          <p:cNvSpPr>
-            <a:spLocks noGrp="1"/>
-          </p:cNvSpPr>
-          <p:nvPr>
-            <p:ph sz="half" idx="1"/>
-          </p:nvPr>
-        </p:nvSpPr>
-        <p:spPr/>
-        <p:txBody>
-          <a:bodyPr/>
-          <a:lstStyle/>
-          <a:p>
-            <a:r>
-              <a:rPr lang="ru" dirty="0"/>
-              <a:t>Базисные функции Гаусса:</a:t>
-            </a:r>
-          </a:p>
-          <a:p>
-            <a:endParaRPr lang="en-GB" dirty="0"/>
-          </a:p>
-          <a:p>
-            <a:endParaRPr lang="en-GB" dirty="0"/>
-          </a:p>
-          <a:p>
-            <a:endParaRPr lang="en-GB" dirty="0"/>
-          </a:p>
-          <a:p>
-            <a:pPr marL="0" indent="0"/>
-            <a:r>
-              <a:rPr lang="ru" dirty="0"/>
-              <a:t>Они локальны: небольшое изменение </a:t>
-            </a:r>
-            <a:r>
-              <a:rPr lang="ru" dirty="0">
-                <a:latin typeface="cmmi12" pitchFamily="34" charset="0"/>
-              </a:rPr>
-              <a:t>x </a:t>
-            </a:r>
-            <a:r>
-              <a:rPr lang="ru" dirty="0"/>
-              <a:t> влияет только на близлежащие базисные функции. </a:t>
-            </a:r>
-            <a:r>
-              <a:rPr lang="ru" dirty="0">
-                <a:latin typeface="CMMI12" pitchFamily="34" charset="2"/>
-              </a:rPr>
-              <a:t>¹ </a:t>
-            </a:r>
-            <a:r>
-              <a:rPr lang="ru" baseline="-20000" dirty="0">
-                <a:latin typeface="CMMI12" pitchFamily="34" charset="2"/>
-              </a:rPr>
-              <a:t>j </a:t>
-            </a:r>
-            <a:r>
-              <a:rPr lang="ru" dirty="0"/>
-              <a:t> и </a:t>
-            </a:r>
-            <a:r>
-              <a:rPr lang="ru" dirty="0">
-                <a:latin typeface="cmmi12" pitchFamily="34" charset="0"/>
-              </a:rPr>
-              <a:t>s </a:t>
-            </a:r>
-            <a:r>
-              <a:rPr lang="ru" dirty="0"/>
-              <a:t> управляют местоположением и масштабом (шириной).</a:t>
-            </a:r>
-          </a:p>
-        </p:txBody>
-      </p:sp>
-      <p:pic>
-        <p:nvPicPr>
-          <p:cNvPr id="11" name="Content Placeholder 6" descr="Figure3.1a.png"/>
-          <p:cNvPicPr>
-            <a:picLocks noChangeAspect="1"/>
-          </p:cNvPicPr>
-          <p:nvPr/>
-        </p:nvPicPr>
-        <p:blipFill>
-          <a:blip r:embed="rId3"/>
-          <a:stretch>
-            <a:fillRect/>
-          </a:stretch>
-        </p:blipFill>
-        <p:spPr>
-          <a:xfrm>
-            <a:off x="4898519" y="2295515"/>
-            <a:ext cx="3276605" cy="3148590"/>
-          </a:xfrm>
-          <a:prstGeom prst="rect">
-            <a:avLst/>
-          </a:prstGeom>
-        </p:spPr>
-      </p:pic>
-      <p:pic>
-        <p:nvPicPr>
-          <p:cNvPr id="8" name="Content Placeholder 7" descr="TP_tmp.png"/>
-          <p:cNvPicPr>
-            <a:picLocks noGrp="1" noChangeAspect="1"/>
-          </p:cNvPicPr>
-          <p:nvPr>
-            <p:ph sz="half" idx="2"/>
             <p:custDataLst>
               <p:tags r:id="rId1"/>
             </p:custDataLst>
@@ -14142,140 +13511,7 @@
         </p:blipFill>
         <p:spPr bwMode="auto">
           <a:xfrm>
-            <a:off x="856130" y="2338914"/>
-            <a:ext cx="2996372" cy="661458"/>
-          </a:xfrm>
-          <a:noFill/>
-          <a:ln/>
-          <a:effectLst/>
-        </p:spPr>
-      </p:pic>
-    </p:spTree>
-  </p:cSld>
-  <p:clrMapOvr>
-    <a:masterClrMapping/>
-  </p:clrMapOvr>
-</p:sld>
-</file>
-
-<file path=ppt/slides/slide50.xml><?xml version="1.0" encoding="utf-8"?>
-<p:sld xmlns:a="http://schemas.openxmlformats.org/drawingml/2006/main" xmlns:r="http://schemas.openxmlformats.org/officeDocument/2006/relationships" xmlns:p="http://schemas.openxmlformats.org/presentationml/2006/main">
-  <p:cSld>
-    <p:spTree>
-      <p:nvGrpSpPr>
-        <p:cNvPr id="1" name=""/>
-        <p:cNvGrpSpPr/>
-        <p:nvPr/>
-      </p:nvGrpSpPr>
-      <p:grpSpPr>
-        <a:xfrm>
-          <a:off x="0" y="0"/>
-          <a:ext cx="0" cy="0"/>
-          <a:chOff x="0" y="0"/>
-          <a:chExt cx="0" cy="0"/>
-        </a:xfrm>
-      </p:grpSpPr>
-      <p:sp>
-        <p:nvSpPr>
-          <p:cNvPr id="2" name="Title 1"/>
-          <p:cNvSpPr>
-            <a:spLocks noGrp="1"/>
-          </p:cNvSpPr>
-          <p:nvPr>
-            <p:ph type="title"/>
-          </p:nvPr>
-        </p:nvSpPr>
-        <p:spPr/>
-        <p:txBody>
-          <a:bodyPr>
-            <a:normAutofit/>
-          </a:bodyPr>
-          <a:lstStyle/>
-          <a:p>
-            <a:r>
-              <a:rPr lang="ru" dirty="0"/>
-              <a:t>Приближение доказательств (3)</a:t>
-            </a:r>
-          </a:p>
-        </p:txBody>
-      </p:sp>
-      <p:sp>
-        <p:nvSpPr>
-          <p:cNvPr id="3" name="Content Placeholder 2"/>
-          <p:cNvSpPr>
-            <a:spLocks noGrp="1"/>
-          </p:cNvSpPr>
-          <p:nvPr>
-            <p:ph idx="1"/>
-          </p:nvPr>
-        </p:nvSpPr>
-        <p:spPr/>
-        <p:txBody>
-          <a:bodyPr>
-            <a:normAutofit/>
-          </a:bodyPr>
-          <a:lstStyle/>
-          <a:p>
-            <a:r>
-              <a:rPr lang="ru" sz="2800" dirty="0"/>
-              <a:t>Пример: синусоидальные данные, многочлен</a:t>
-            </a:r>
-            <a:r>
-              <a:rPr lang="ru" sz="2800" baseline="30000" dirty="0"/>
-              <a:t>  </a:t>
-            </a:r>
-            <a:r>
-              <a:rPr lang="ru" sz="2800" dirty="0"/>
-              <a:t>степени </a:t>
-            </a:r>
-            <a:r>
-              <a:rPr lang="ru" sz="2800" dirty="0">
-                <a:latin typeface="cmmi12" pitchFamily="34" charset="0"/>
-              </a:rPr>
-              <a:t>М</a:t>
-            </a:r>
-            <a:r>
-              <a:rPr lang="ru" sz="2800" dirty="0"/>
-              <a:t>,</a:t>
-            </a:r>
-          </a:p>
-          <a:p>
-            <a:endParaRPr lang="en-GB" sz="2800" dirty="0"/>
-          </a:p>
-        </p:txBody>
-      </p:sp>
-      <p:pic>
-        <p:nvPicPr>
-          <p:cNvPr id="7" name="Picture 6" descr="TP_tmp.png"/>
-          <p:cNvPicPr>
-            <a:picLocks noChangeAspect="1"/>
-          </p:cNvPicPr>
-          <p:nvPr>
-            <p:custDataLst>
-              <p:tags r:id="rId1"/>
-            </p:custDataLst>
-          </p:nvPr>
-        </p:nvPicPr>
-        <p:blipFill>
-          <a:blip r:embed="rId4">
-            <a:clrChange>
-              <a:clrFrom>
-                <a:srgbClr val="FFFFFF"/>
-              </a:clrFrom>
-              <a:clrTo>
-                <a:srgbClr val="FFFFFF">
-                  <a:alpha val="0"/>
-                </a:srgbClr>
-              </a:clrTo>
-            </a:clrChange>
-          </a:blip>
-          <a:stretch>
-            <a:fillRect/>
-          </a:stretch>
-        </p:blipFill>
-        <p:spPr bwMode="auto">
-          <a:xfrm>
-            <a:off x="3131840" y="2024780"/>
+            <a:off x="2915816" y="2101918"/>
             <a:ext cx="1809753" cy="316230"/>
           </a:xfrm>
           <a:prstGeom prst="rect">
@@ -14373,7 +13609,7 @@
 </p:sld>
 </file>
 
-<file path=ppt/slides/slide51.xml><?xml version="1.0" encoding="utf-8"?>
+<file path=ppt/slides/slide49.xml><?xml version="1.0" encoding="utf-8"?>
 <p:sld xmlns:a="http://schemas.openxmlformats.org/drawingml/2006/main" xmlns:r="http://schemas.openxmlformats.org/officeDocument/2006/relationships" xmlns:p="http://schemas.openxmlformats.org/presentationml/2006/main">
   <p:cSld>
     <p:spTree>
@@ -14408,8 +13644,46 @@
           <a:lstStyle/>
           <a:p>
             <a:r>
+              <a:rPr lang="ru-RU" sz="3200" dirty="0"/>
+              <a:t>Максимизация правдоподобия </a:t>
+            </a:r>
+            <a:r>
               <a:rPr lang="ru" sz="3200" dirty="0"/>
-              <a:t>Максимизация функции доказательства (1)</a:t>
+              <a:t>по </a:t>
+            </a:r>
+            <a:r>
+              <a:rPr lang="ru" sz="3200" dirty="0">
+                <a:latin typeface="cmmi12" pitchFamily="34" charset="0"/>
+              </a:rPr>
+              <a:t>®</a:t>
+            </a:r>
+            <a:r>
+              <a:rPr lang="ru" sz="3200" dirty="0"/>
+              <a:t> </a:t>
+            </a:r>
+            <a:r>
+              <a:rPr lang="ru" sz="3200" dirty="0">
+                <a:latin typeface="cmmi12" pitchFamily="34" charset="0"/>
+              </a:rPr>
+              <a:t> </a:t>
+            </a:r>
+            <a:r>
+              <a:rPr lang="ru" sz="3200" dirty="0"/>
+              <a:t>и </a:t>
+            </a:r>
+            <a:r>
+              <a:rPr lang="ru" sz="3200" dirty="0">
+                <a:latin typeface="cmmi12" pitchFamily="34" charset="0"/>
+              </a:rPr>
+              <a:t>¯</a:t>
+            </a:r>
+            <a:r>
+              <a:rPr lang="ru-RU" sz="3200" dirty="0"/>
+              <a:t> </a:t>
+            </a:r>
+            <a:r>
+              <a:rPr lang="ru" sz="3200" dirty="0"/>
+              <a:t>(1)</a:t>
             </a:r>
           </a:p>
         </p:txBody>
@@ -14493,7 +13767,7 @@
               <a:t>¸ </a:t>
             </a:r>
             <a:r>
-              <a:rPr lang="ru" sz="2800" baseline="-20000" dirty="0" err="1">
+              <a:rPr lang="ru" sz="2800" baseline="-20000" dirty="0">
                 <a:latin typeface="cmmi12" pitchFamily="34" charset="0"/>
               </a:rPr>
               <a:t>i </a:t>
@@ -14502,7 +13776,7 @@
               <a:rPr lang="ru" sz="2800" dirty="0">
                 <a:latin typeface="cmr12" pitchFamily="34" charset="0"/>
               </a:rPr>
-              <a:t>+ </a:t>
+              <a:t> + </a:t>
             </a:r>
             <a:r>
               <a:rPr lang="ru" sz="2800" dirty="0">
@@ -14645,7 +13919,7 @@
 </p:sld>
 </file>
 
-<file path=ppt/slides/slide52.xml><?xml version="1.0" encoding="utf-8"?>
+<file path=ppt/slides/slide5.xml><?xml version="1.0" encoding="utf-8"?>
 <p:sld xmlns:a="http://schemas.openxmlformats.org/drawingml/2006/main" xmlns:r="http://schemas.openxmlformats.org/officeDocument/2006/relationships" xmlns:p="http://schemas.openxmlformats.org/presentationml/2006/main">
   <p:cSld>
     <p:spTree>
@@ -14664,6 +13938,197 @@
       </p:grpSpPr>
       <p:sp>
         <p:nvSpPr>
+          <p:cNvPr id="4" name="Title 3"/>
+          <p:cNvSpPr>
+            <a:spLocks noGrp="1"/>
+          </p:cNvSpPr>
+          <p:nvPr>
+            <p:ph type="title"/>
+          </p:nvPr>
+        </p:nvSpPr>
+        <p:spPr/>
+        <p:txBody>
+          <a:bodyPr>
+            <a:normAutofit/>
+          </a:bodyPr>
+          <a:lstStyle/>
+          <a:p>
+            <a:r>
+              <a:rPr lang="ru-RU" dirty="0"/>
+              <a:t>Модели с базисными функциями</a:t>
+            </a:r>
+            <a:r>
+              <a:rPr lang="ru" dirty="0"/>
+              <a:t> (4)</a:t>
+            </a:r>
+          </a:p>
+        </p:txBody>
+      </p:sp>
+      <p:sp>
+        <p:nvSpPr>
+          <p:cNvPr id="10" name="Content Placeholder 9"/>
+          <p:cNvSpPr>
+            <a:spLocks noGrp="1"/>
+          </p:cNvSpPr>
+          <p:nvPr>
+            <p:ph sz="half" idx="1"/>
+          </p:nvPr>
+        </p:nvSpPr>
+        <p:spPr/>
+        <p:txBody>
+          <a:bodyPr/>
+          <a:lstStyle/>
+          <a:p>
+            <a:r>
+              <a:rPr lang="ru" dirty="0"/>
+              <a:t>Базисные функции Гаусса:</a:t>
+            </a:r>
+          </a:p>
+          <a:p>
+            <a:endParaRPr lang="en-GB" dirty="0"/>
+          </a:p>
+          <a:p>
+            <a:endParaRPr lang="en-GB" dirty="0"/>
+          </a:p>
+          <a:p>
+            <a:endParaRPr lang="en-GB" dirty="0"/>
+          </a:p>
+          <a:p>
+            <a:pPr marL="0" indent="0"/>
+            <a:r>
+              <a:rPr lang="ru" dirty="0"/>
+              <a:t>Они локальны: небольшое изменение </a:t>
+            </a:r>
+            <a:r>
+              <a:rPr lang="ru" dirty="0">
+                <a:latin typeface="cmmi12" pitchFamily="34" charset="0"/>
+              </a:rPr>
+              <a:t>x </a:t>
+            </a:r>
+            <a:r>
+              <a:rPr lang="ru" dirty="0"/>
+              <a:t> влияет только на близлежащие базисные функции. </a:t>
+            </a:r>
+            <a:r>
+              <a:rPr lang="ru" dirty="0">
+                <a:latin typeface="CMMI12" pitchFamily="34" charset="2"/>
+              </a:rPr>
+              <a:t>¹ </a:t>
+            </a:r>
+            <a:r>
+              <a:rPr lang="ru" baseline="-20000" dirty="0">
+                <a:latin typeface="CMMI12" pitchFamily="34" charset="2"/>
+              </a:rPr>
+              <a:t>j </a:t>
+            </a:r>
+            <a:r>
+              <a:rPr lang="ru" dirty="0"/>
+              <a:t> и </a:t>
+            </a:r>
+            <a:r>
+              <a:rPr lang="ru" dirty="0">
+                <a:latin typeface="cmmi12" pitchFamily="34" charset="0"/>
+              </a:rPr>
+              <a:t>s </a:t>
+            </a:r>
+            <a:r>
+              <a:rPr lang="ru" dirty="0"/>
+              <a:t> управляют местоположением и масштабом (шириной).</a:t>
+            </a:r>
+          </a:p>
+        </p:txBody>
+      </p:sp>
+      <p:pic>
+        <p:nvPicPr>
+          <p:cNvPr id="11" name="Content Placeholder 6" descr="Figure3.1a.png"/>
+          <p:cNvPicPr>
+            <a:picLocks noChangeAspect="1"/>
+          </p:cNvPicPr>
+          <p:nvPr/>
+        </p:nvPicPr>
+        <p:blipFill>
+          <a:blip r:embed="rId3"/>
+          <a:stretch>
+            <a:fillRect/>
+          </a:stretch>
+        </p:blipFill>
+        <p:spPr>
+          <a:xfrm>
+            <a:off x="4898519" y="2295515"/>
+            <a:ext cx="3276605" cy="3148590"/>
+          </a:xfrm>
+          <a:prstGeom prst="rect">
+            <a:avLst/>
+          </a:prstGeom>
+        </p:spPr>
+      </p:pic>
+      <p:pic>
+        <p:nvPicPr>
+          <p:cNvPr id="8" name="Content Placeholder 7" descr="TP_tmp.png"/>
+          <p:cNvPicPr>
+            <a:picLocks noGrp="1" noChangeAspect="1"/>
+          </p:cNvPicPr>
+          <p:nvPr>
+            <p:ph sz="half" idx="2"/>
+            <p:custDataLst>
+              <p:tags r:id="rId1"/>
+            </p:custDataLst>
+          </p:nvPr>
+        </p:nvPicPr>
+        <p:blipFill>
+          <a:blip r:embed="rId4">
+            <a:clrChange>
+              <a:clrFrom>
+                <a:srgbClr val="FFFFFF"/>
+              </a:clrFrom>
+              <a:clrTo>
+                <a:srgbClr val="FFFFFF">
+                  <a:alpha val="0"/>
+                </a:srgbClr>
+              </a:clrTo>
+            </a:clrChange>
+          </a:blip>
+          <a:stretch>
+            <a:fillRect/>
+          </a:stretch>
+        </p:blipFill>
+        <p:spPr bwMode="auto">
+          <a:xfrm>
+            <a:off x="856130" y="2338914"/>
+            <a:ext cx="2996372" cy="661458"/>
+          </a:xfrm>
+          <a:noFill/>
+          <a:ln/>
+          <a:effectLst/>
+        </p:spPr>
+      </p:pic>
+    </p:spTree>
+  </p:cSld>
+  <p:clrMapOvr>
+    <a:masterClrMapping/>
+  </p:clrMapOvr>
+</p:sld>
+</file>
+
+<file path=ppt/slides/slide50.xml><?xml version="1.0" encoding="utf-8"?>
+<p:sld xmlns:a="http://schemas.openxmlformats.org/drawingml/2006/main" xmlns:r="http://schemas.openxmlformats.org/officeDocument/2006/relationships" xmlns:p="http://schemas.openxmlformats.org/presentationml/2006/main">
+  <p:cSld>
+    <p:spTree>
+      <p:nvGrpSpPr>
+        <p:cNvPr id="1" name=""/>
+        <p:cNvGrpSpPr/>
+        <p:nvPr/>
+      </p:nvGrpSpPr>
+      <p:grpSpPr>
+        <a:xfrm>
+          <a:off x="0" y="0"/>
+          <a:ext cx="0" cy="0"/>
+          <a:chOff x="0" y="0"/>
+          <a:chExt cx="0" cy="0"/>
+        </a:xfrm>
+      </p:grpSpPr>
+      <p:sp>
+        <p:nvSpPr>
           <p:cNvPr id="2" name="Title 1"/>
           <p:cNvSpPr>
             <a:spLocks noGrp="1"/>
@@ -14680,8 +14145,46 @@
           <a:lstStyle/>
           <a:p>
             <a:r>
+              <a:rPr lang="ru-RU" sz="3200" dirty="0"/>
+              <a:t>Максимизация правдоподобия </a:t>
+            </a:r>
+            <a:r>
               <a:rPr lang="ru" sz="3200" dirty="0"/>
-              <a:t>Максимизация функции доказательства (2)</a:t>
+              <a:t>по </a:t>
+            </a:r>
+            <a:r>
+              <a:rPr lang="ru" sz="3200" dirty="0">
+                <a:latin typeface="cmmi12" pitchFamily="34" charset="0"/>
+              </a:rPr>
+              <a:t>®</a:t>
+            </a:r>
+            <a:r>
+              <a:rPr lang="ru" sz="3200" dirty="0"/>
+              <a:t> </a:t>
+            </a:r>
+            <a:r>
+              <a:rPr lang="ru" sz="3200" dirty="0">
+                <a:latin typeface="cmmi12" pitchFamily="34" charset="0"/>
+              </a:rPr>
+              <a:t> </a:t>
+            </a:r>
+            <a:r>
+              <a:rPr lang="ru" sz="3200" dirty="0"/>
+              <a:t>и </a:t>
+            </a:r>
+            <a:r>
+              <a:rPr lang="ru" sz="3200" dirty="0">
+                <a:latin typeface="cmmi12" pitchFamily="34" charset="0"/>
+              </a:rPr>
+              <a:t>¯</a:t>
+            </a:r>
+            <a:r>
+              <a:rPr lang="ru-RU" sz="3200" dirty="0"/>
+              <a:t> </a:t>
+            </a:r>
+            <a:r>
+              <a:rPr lang="ru" sz="3200" dirty="0"/>
+              <a:t>(2)</a:t>
             </a:r>
           </a:p>
         </p:txBody>
@@ -15007,761 +14510,7 @@
 </p:sld>
 </file>
 
-<file path=ppt/slides/slide53.xml><?xml version="1.0" encoding="utf-8"?>
-<p:sld xmlns:a="http://schemas.openxmlformats.org/drawingml/2006/main" xmlns:r="http://schemas.openxmlformats.org/officeDocument/2006/relationships" xmlns:p="http://schemas.openxmlformats.org/presentationml/2006/main">
-  <p:cSld>
-    <p:spTree>
-      <p:nvGrpSpPr>
-        <p:cNvPr id="1" name=""/>
-        <p:cNvGrpSpPr/>
-        <p:nvPr/>
-      </p:nvGrpSpPr>
-      <p:grpSpPr>
-        <a:xfrm>
-          <a:off x="0" y="0"/>
-          <a:ext cx="0" cy="0"/>
-          <a:chOff x="0" y="0"/>
-          <a:chExt cx="0" cy="0"/>
-        </a:xfrm>
-      </p:grpSpPr>
-      <p:sp>
-        <p:nvSpPr>
-          <p:cNvPr id="2" name="Title 1"/>
-          <p:cNvSpPr>
-            <a:spLocks noGrp="1"/>
-          </p:cNvSpPr>
-          <p:nvPr>
-            <p:ph type="title"/>
-          </p:nvPr>
-        </p:nvSpPr>
-        <p:spPr/>
-        <p:txBody>
-          <a:bodyPr>
-            <a:normAutofit fontScale="90000"/>
-          </a:bodyPr>
-          <a:lstStyle/>
-          <a:p>
-            <a:r>
-              <a:rPr lang="ru" dirty="0"/>
-              <a:t>Эффективное количество параметров (3)</a:t>
-            </a:r>
-          </a:p>
-        </p:txBody>
-      </p:sp>
-      <p:pic>
-        <p:nvPicPr>
-          <p:cNvPr id="4" name="Content Placeholder 3" descr="Figure3.15.png"/>
-          <p:cNvPicPr>
-            <a:picLocks noGrp="1" noChangeAspect="1"/>
-          </p:cNvPicPr>
-          <p:nvPr>
-            <p:ph idx="1"/>
-          </p:nvPr>
-        </p:nvPicPr>
-        <p:blipFill>
-          <a:blip r:embed="rId4"/>
-          <a:stretch>
-            <a:fillRect/>
-          </a:stretch>
-        </p:blipFill>
-        <p:spPr>
-          <a:xfrm>
-            <a:off x="467294" y="1681744"/>
-            <a:ext cx="5462028" cy="4319024"/>
-          </a:xfrm>
-        </p:spPr>
-      </p:pic>
-      <p:sp>
-        <p:nvSpPr>
-          <p:cNvPr id="5" name="TextBox 4"/>
-          <p:cNvSpPr txBox="1"/>
-          <p:nvPr/>
-        </p:nvSpPr>
-        <p:spPr>
-          <a:xfrm>
-            <a:off x="4286248" y="2396124"/>
-            <a:ext cx="1428760" cy="369332"/>
-          </a:xfrm>
-          <a:prstGeom prst="rect">
-            <a:avLst/>
-          </a:prstGeom>
-          <a:noFill/>
-        </p:spPr>
-        <p:txBody>
-          <a:bodyPr wrap="square" rtlCol="0">
-            <a:spAutoFit/>
-          </a:bodyPr>
-          <a:lstStyle/>
-          <a:p>
-            <a:r>
-              <a:rPr lang="ru" dirty="0">
-                <a:solidFill>
-                  <a:srgbClr val="FF0000"/>
-                </a:solidFill>
-              </a:rPr>
-              <a:t>Вероятность</a:t>
-            </a:r>
-          </a:p>
-        </p:txBody>
-      </p:sp>
-      <p:sp>
-        <p:nvSpPr>
-          <p:cNvPr id="6" name="TextBox 5"/>
-          <p:cNvSpPr txBox="1"/>
-          <p:nvPr/>
-        </p:nvSpPr>
-        <p:spPr>
-          <a:xfrm>
-            <a:off x="2062339" y="4455684"/>
-            <a:ext cx="1143008" cy="369332"/>
-          </a:xfrm>
-          <a:prstGeom prst="rect">
-            <a:avLst/>
-          </a:prstGeom>
-          <a:noFill/>
-        </p:spPr>
-        <p:txBody>
-          <a:bodyPr wrap="square" rtlCol="0">
-            <a:spAutoFit/>
-          </a:bodyPr>
-          <a:lstStyle/>
-          <a:p>
-            <a:r>
-              <a:rPr lang="ru" dirty="0">
-                <a:solidFill>
-                  <a:srgbClr val="66FF33"/>
-                </a:solidFill>
-              </a:rPr>
-              <a:t>Прежний</a:t>
-            </a:r>
-          </a:p>
-        </p:txBody>
-      </p:sp>
-      <p:grpSp>
-        <p:nvGrpSpPr>
-          <p:cNvPr id="18" name="Group 17"/>
-          <p:cNvGrpSpPr/>
-          <p:nvPr/>
-        </p:nvGrpSpPr>
-        <p:grpSpPr>
-          <a:xfrm>
-            <a:off x="6215074" y="1900009"/>
-            <a:ext cx="2428892" cy="3785652"/>
-            <a:chOff x="6215074" y="1785926"/>
-            <a:chExt cx="2428892" cy="3785652"/>
-          </a:xfrm>
-        </p:grpSpPr>
-        <p:sp>
-          <p:nvSpPr>
-            <p:cNvPr id="7" name="TextBox 6"/>
-            <p:cNvSpPr txBox="1"/>
-            <p:nvPr/>
-          </p:nvSpPr>
-          <p:spPr>
-            <a:xfrm>
-              <a:off x="6215074" y="1785926"/>
-              <a:ext cx="2428892" cy="3785652"/>
-            </a:xfrm>
-            <a:prstGeom prst="rect">
-              <a:avLst/>
-            </a:prstGeom>
-            <a:noFill/>
-            <a:ln w="19050">
-              <a:solidFill>
-                <a:schemeClr val="accent1"/>
-              </a:solidFill>
-            </a:ln>
-          </p:spPr>
-          <p:txBody>
-            <a:bodyPr wrap="square" rtlCol="0">
-              <a:spAutoFit/>
-            </a:bodyPr>
-            <a:lstStyle/>
-            <a:p>
-              <a:endParaRPr lang="en-GB" dirty="0">
-                <a:latin typeface="cmmi12" pitchFamily="34" charset="0"/>
-              </a:endParaRPr>
-            </a:p>
-            <a:p>
-              <a:r>
-                <a:rPr lang="ru" dirty="0">
-                  <a:latin typeface="cmmi12" pitchFamily="34" charset="0"/>
-                </a:rPr>
-                <a:t>w </a:t>
-              </a:r>
-              <a:r>
-                <a:rPr lang="ru" sz="2400" baseline="-16000" dirty="0">
-                  <a:latin typeface="cmmi12" pitchFamily="34" charset="0"/>
-                </a:rPr>
-                <a:t>1 </a:t>
-              </a:r>
-              <a:r>
-                <a:rPr lang="ru" sz="1800" dirty="0"/>
-                <a:t> </a:t>
-              </a:r>
-              <a:r>
-                <a:rPr lang="ru" dirty="0"/>
-                <a:t>не очень хорошо определяется вероятностью</a:t>
-              </a:r>
-            </a:p>
-            <a:p>
-              <a:endParaRPr lang="en-GB" dirty="0">
-                <a:latin typeface="cmmi12" pitchFamily="34" charset="0"/>
-              </a:endParaRPr>
-            </a:p>
-            <a:p>
-              <a:endParaRPr lang="en-GB" dirty="0">
-                <a:latin typeface="cmmi12" pitchFamily="34" charset="0"/>
-              </a:endParaRPr>
-            </a:p>
-            <a:p>
-              <a:r>
-                <a:rPr lang="ru" dirty="0">
-                  <a:latin typeface="cmmi12" pitchFamily="34" charset="0"/>
-                </a:rPr>
-                <a:t>w </a:t>
-              </a:r>
-              <a:r>
-                <a:rPr lang="ru" sz="2400" baseline="-16000" dirty="0">
-                  <a:latin typeface="cmmi12" pitchFamily="34" charset="0"/>
-                </a:rPr>
-                <a:t>2</a:t>
-              </a:r>
-              <a:r>
-                <a:rPr lang="ru" sz="2400" dirty="0"/>
-                <a:t> </a:t>
-              </a:r>
-              <a:r>
-                <a:rPr lang="ru" sz="2400" baseline="-16000" dirty="0">
-                  <a:latin typeface="cmmi12" pitchFamily="34" charset="0"/>
-                </a:rPr>
-                <a:t> </a:t>
-              </a:r>
-              <a:r>
-                <a:rPr lang="ru" dirty="0"/>
-                <a:t>хорошо определяется вероятностью</a:t>
-              </a:r>
-            </a:p>
-            <a:p>
-              <a:endParaRPr lang="en-GB" dirty="0"/>
-            </a:p>
-            <a:p>
-              <a:r>
-                <a:rPr lang="ru" dirty="0">
-                  <a:latin typeface="cmmi12" pitchFamily="34" charset="0"/>
-                </a:rPr>
-                <a:t>° </a:t>
-              </a:r>
-              <a:r>
-                <a:rPr lang="ru" sz="1800" dirty="0"/>
-                <a:t> </a:t>
-              </a:r>
-              <a:r>
-                <a:rPr lang="ru" dirty="0"/>
-                <a:t>— это количество хорошо определенных параметров</a:t>
-              </a:r>
-            </a:p>
-          </p:txBody>
-        </p:sp>
-        <p:pic>
-          <p:nvPicPr>
-            <p:cNvPr id="9" name="Picture 8" descr="TP_tmp.png"/>
-            <p:cNvPicPr>
-              <a:picLocks noChangeAspect="1"/>
-            </p:cNvPicPr>
-            <p:nvPr>
-              <p:custDataLst>
-                <p:tags r:id="rId1"/>
-              </p:custDataLst>
-            </p:nvPr>
-          </p:nvPicPr>
-          <p:blipFill>
-            <a:blip r:embed="rId5">
-              <a:clrChange>
-                <a:clrFrom>
-                  <a:srgbClr val="FFFFFF"/>
-                </a:clrFrom>
-                <a:clrTo>
-                  <a:srgbClr val="FFFFFF">
-                    <a:alpha val="0"/>
-                  </a:srgbClr>
-                </a:clrTo>
-              </a:clrChange>
-            </a:blip>
-            <a:stretch>
-              <a:fillRect/>
-            </a:stretch>
-          </p:blipFill>
-          <p:spPr>
-            <a:xfrm>
-              <a:off x="6329951" y="3214686"/>
-              <a:ext cx="813817" cy="252984"/>
-            </a:xfrm>
-            <a:prstGeom prst="rect">
-              <a:avLst/>
-            </a:prstGeom>
-            <a:noFill/>
-            <a:ln w="19050">
-              <a:noFill/>
-            </a:ln>
-          </p:spPr>
-        </p:pic>
-        <p:pic>
-          <p:nvPicPr>
-            <p:cNvPr id="13" name="Picture 12" descr="TP_tmp.png"/>
-            <p:cNvPicPr>
-              <a:picLocks noChangeAspect="1"/>
-            </p:cNvPicPr>
-            <p:nvPr>
-              <p:custDataLst>
-                <p:tags r:id="rId2"/>
-              </p:custDataLst>
-            </p:nvPr>
-          </p:nvPicPr>
-          <p:blipFill>
-            <a:blip r:embed="rId6">
-              <a:clrChange>
-                <a:clrFrom>
-                  <a:srgbClr val="FFFFFF"/>
-                </a:clrFrom>
-                <a:clrTo>
-                  <a:srgbClr val="FFFFFF">
-                    <a:alpha val="0"/>
-                  </a:srgbClr>
-                </a:clrTo>
-              </a:clrChange>
-            </a:blip>
-            <a:stretch>
-              <a:fillRect/>
-            </a:stretch>
-          </p:blipFill>
-          <p:spPr bwMode="auto">
-            <a:xfrm>
-              <a:off x="6328932" y="1880485"/>
-              <a:ext cx="814836" cy="253300"/>
-            </a:xfrm>
-            <a:prstGeom prst="rect">
-              <a:avLst/>
-            </a:prstGeom>
-            <a:noFill/>
-            <a:ln w="19050">
-              <a:noFill/>
-            </a:ln>
-            <a:effectLst/>
-          </p:spPr>
-        </p:pic>
-      </p:grpSp>
-    </p:spTree>
-  </p:cSld>
-  <p:clrMapOvr>
-    <a:masterClrMapping/>
-  </p:clrMapOvr>
-</p:sld>
-</file>
-
-<file path=ppt/slides/slide54.xml><?xml version="1.0" encoding="utf-8"?>
-<p:sld xmlns:a="http://schemas.openxmlformats.org/drawingml/2006/main" xmlns:r="http://schemas.openxmlformats.org/officeDocument/2006/relationships" xmlns:p="http://schemas.openxmlformats.org/presentationml/2006/main">
-  <p:cSld>
-    <p:spTree>
-      <p:nvGrpSpPr>
-        <p:cNvPr id="1" name=""/>
-        <p:cNvGrpSpPr/>
-        <p:nvPr/>
-      </p:nvGrpSpPr>
-      <p:grpSpPr>
-        <a:xfrm>
-          <a:off x="0" y="0"/>
-          <a:ext cx="0" cy="0"/>
-          <a:chOff x="0" y="0"/>
-          <a:chExt cx="0" cy="0"/>
-        </a:xfrm>
-      </p:grpSpPr>
-      <p:pic>
-        <p:nvPicPr>
-          <p:cNvPr id="9" name="Picture 8" descr="Figure3.16a.png"/>
-          <p:cNvPicPr>
-            <a:picLocks noChangeAspect="1"/>
-          </p:cNvPicPr>
-          <p:nvPr/>
-        </p:nvPicPr>
-        <p:blipFill>
-          <a:blip r:embed="rId4"/>
-          <a:stretch>
-            <a:fillRect/>
-          </a:stretch>
-        </p:blipFill>
-        <p:spPr>
-          <a:xfrm>
-            <a:off x="1857356" y="2447530"/>
-            <a:ext cx="5385826" cy="3785624"/>
-          </a:xfrm>
-          <a:prstGeom prst="rect">
-            <a:avLst/>
-          </a:prstGeom>
-        </p:spPr>
-      </p:pic>
-      <p:sp>
-        <p:nvSpPr>
-          <p:cNvPr id="2" name="Title 1"/>
-          <p:cNvSpPr>
-            <a:spLocks noGrp="1"/>
-          </p:cNvSpPr>
-          <p:nvPr>
-            <p:ph type="title"/>
-          </p:nvPr>
-        </p:nvSpPr>
-        <p:spPr/>
-        <p:txBody>
-          <a:bodyPr>
-            <a:normAutofit fontScale="90000"/>
-          </a:bodyPr>
-          <a:lstStyle/>
-          <a:p>
-            <a:r>
-              <a:rPr lang="ru" dirty="0"/>
-              <a:t>Эффективное количество параметров (2)</a:t>
-            </a:r>
-          </a:p>
-        </p:txBody>
-      </p:sp>
-      <p:sp>
-        <p:nvSpPr>
-          <p:cNvPr id="3" name="Content Placeholder 2"/>
-          <p:cNvSpPr>
-            <a:spLocks noGrp="1"/>
-          </p:cNvSpPr>
-          <p:nvPr>
-            <p:ph idx="1"/>
-          </p:nvPr>
-        </p:nvSpPr>
-        <p:spPr>
-          <a:xfrm>
-            <a:off x="609600" y="1428736"/>
-            <a:ext cx="7924800" cy="4525963"/>
-          </a:xfrm>
-        </p:spPr>
-        <p:txBody>
-          <a:bodyPr>
-            <a:normAutofit/>
-          </a:bodyPr>
-          <a:lstStyle/>
-          <a:p>
-            <a:r>
-              <a:rPr lang="ru" sz="2800" dirty="0"/>
-              <a:t>Пример: синусоидальные данные, 9 базисных функций Гаусса, </a:t>
-            </a:r>
-            <a:r>
-              <a:rPr lang="ru" sz="2800" dirty="0">
-                <a:latin typeface="cmmi12" pitchFamily="34" charset="0"/>
-              </a:rPr>
-              <a:t>¯ </a:t>
-            </a:r>
-            <a:r>
-              <a:rPr lang="ru" sz="2800" dirty="0">
-                <a:latin typeface="cmr12" pitchFamily="34" charset="0"/>
-              </a:rPr>
-              <a:t>= 11.1 </a:t>
-            </a:r>
-            <a:r>
-              <a:rPr lang="ru" sz="2800" dirty="0"/>
-              <a:t>.</a:t>
-            </a:r>
-          </a:p>
-          <a:p>
-            <a:endParaRPr lang="en-GB" sz="2800" dirty="0"/>
-          </a:p>
-        </p:txBody>
-      </p:sp>
-      <p:pic>
-        <p:nvPicPr>
-          <p:cNvPr id="15" name="Picture 14" descr="TP_tmp.png"/>
-          <p:cNvPicPr>
-            <a:picLocks noChangeAspect="1"/>
-          </p:cNvPicPr>
-          <p:nvPr>
-            <p:custDataLst>
-              <p:tags r:id="rId1"/>
-            </p:custDataLst>
-          </p:nvPr>
-        </p:nvPicPr>
-        <p:blipFill>
-          <a:blip r:embed="rId5">
-            <a:clrChange>
-              <a:clrFrom>
-                <a:srgbClr val="FFFFFF"/>
-              </a:clrFrom>
-              <a:clrTo>
-                <a:srgbClr val="FFFFFF">
-                  <a:alpha val="0"/>
-                </a:srgbClr>
-              </a:clrTo>
-            </a:clrChange>
-          </a:blip>
-          <a:stretch>
-            <a:fillRect/>
-          </a:stretch>
-        </p:blipFill>
-        <p:spPr bwMode="auto">
-          <a:xfrm>
-            <a:off x="4714876" y="2928934"/>
-            <a:ext cx="1042211" cy="329119"/>
-          </a:xfrm>
-          <a:prstGeom prst="rect">
-            <a:avLst/>
-          </a:prstGeom>
-          <a:noFill/>
-          <a:ln/>
-          <a:effectLst/>
-        </p:spPr>
-      </p:pic>
-      <p:pic>
-        <p:nvPicPr>
-          <p:cNvPr id="17" name="Picture 16" descr="TP_tmp.png"/>
-          <p:cNvPicPr>
-            <a:picLocks noChangeAspect="1"/>
-          </p:cNvPicPr>
-          <p:nvPr>
-            <p:custDataLst>
-              <p:tags r:id="rId2"/>
-            </p:custDataLst>
-          </p:nvPr>
-        </p:nvPicPr>
-        <p:blipFill>
-          <a:blip r:embed="rId6">
-            <a:clrChange>
-              <a:clrFrom>
-                <a:srgbClr val="FFFFFF"/>
-              </a:clrFrom>
-              <a:clrTo>
-                <a:srgbClr val="FFFFFF">
-                  <a:alpha val="0"/>
-                </a:srgbClr>
-              </a:clrTo>
-            </a:clrChange>
-          </a:blip>
-          <a:stretch>
-            <a:fillRect/>
-          </a:stretch>
-        </p:blipFill>
-        <p:spPr bwMode="auto">
-          <a:xfrm>
-            <a:off x="3643306" y="4071942"/>
-            <a:ext cx="176921" cy="176921"/>
-          </a:xfrm>
-          <a:prstGeom prst="rect">
-            <a:avLst/>
-          </a:prstGeom>
-          <a:noFill/>
-          <a:ln/>
-          <a:effectLst/>
-        </p:spPr>
-      </p:pic>
-    </p:spTree>
-  </p:cSld>
-  <p:clrMapOvr>
-    <a:masterClrMapping/>
-  </p:clrMapOvr>
-</p:sld>
-</file>
-
-<file path=ppt/slides/slide55.xml><?xml version="1.0" encoding="utf-8"?>
-<p:sld xmlns:a="http://schemas.openxmlformats.org/drawingml/2006/main" xmlns:r="http://schemas.openxmlformats.org/officeDocument/2006/relationships" xmlns:p="http://schemas.openxmlformats.org/presentationml/2006/main">
-  <p:cSld>
-    <p:spTree>
-      <p:nvGrpSpPr>
-        <p:cNvPr id="1" name=""/>
-        <p:cNvGrpSpPr/>
-        <p:nvPr/>
-      </p:nvGrpSpPr>
-      <p:grpSpPr>
-        <a:xfrm>
-          <a:off x="0" y="0"/>
-          <a:ext cx="0" cy="0"/>
-          <a:chOff x="0" y="0"/>
-          <a:chExt cx="0" cy="0"/>
-        </a:xfrm>
-      </p:grpSpPr>
-      <p:pic>
-        <p:nvPicPr>
-          <p:cNvPr id="9" name="Picture 8" descr="Figure3.16a.png"/>
-          <p:cNvPicPr>
-            <a:picLocks noChangeAspect="1"/>
-          </p:cNvPicPr>
-          <p:nvPr/>
-        </p:nvPicPr>
-        <p:blipFill>
-          <a:blip r:embed="rId3"/>
-          <a:stretch>
-            <a:fillRect/>
-          </a:stretch>
-        </p:blipFill>
-        <p:spPr>
-          <a:xfrm>
-            <a:off x="1857356" y="2447530"/>
-            <a:ext cx="5385825" cy="3785624"/>
-          </a:xfrm>
-          <a:prstGeom prst="rect">
-            <a:avLst/>
-          </a:prstGeom>
-        </p:spPr>
-      </p:pic>
-      <p:sp>
-        <p:nvSpPr>
-          <p:cNvPr id="2" name="Title 1"/>
-          <p:cNvSpPr>
-            <a:spLocks noGrp="1"/>
-          </p:cNvSpPr>
-          <p:nvPr>
-            <p:ph type="title"/>
-          </p:nvPr>
-        </p:nvSpPr>
-        <p:spPr/>
-        <p:txBody>
-          <a:bodyPr>
-            <a:normAutofit fontScale="90000"/>
-          </a:bodyPr>
-          <a:lstStyle/>
-          <a:p>
-            <a:r>
-              <a:rPr lang="ru" dirty="0"/>
-              <a:t>Эффективное количество параметров (3)</a:t>
-            </a:r>
-          </a:p>
-        </p:txBody>
-      </p:sp>
-      <p:sp>
-        <p:nvSpPr>
-          <p:cNvPr id="3" name="Content Placeholder 2"/>
-          <p:cNvSpPr>
-            <a:spLocks noGrp="1"/>
-          </p:cNvSpPr>
-          <p:nvPr>
-            <p:ph idx="1"/>
-          </p:nvPr>
-        </p:nvSpPr>
-        <p:spPr>
-          <a:xfrm>
-            <a:off x="609600" y="1428736"/>
-            <a:ext cx="7924800" cy="4525963"/>
-          </a:xfrm>
-        </p:spPr>
-        <p:txBody>
-          <a:bodyPr>
-            <a:normAutofit/>
-          </a:bodyPr>
-          <a:lstStyle/>
-          <a:p>
-            <a:r>
-              <a:rPr lang="ru" sz="2800" dirty="0"/>
-              <a:t>Пример: синусоидальные данные, 9 базисных функций Гаусса, </a:t>
-            </a:r>
-            <a:r>
-              <a:rPr lang="ru" sz="2800" dirty="0">
-                <a:latin typeface="cmmi12" pitchFamily="34" charset="0"/>
-              </a:rPr>
-              <a:t>¯ </a:t>
-            </a:r>
-            <a:r>
-              <a:rPr lang="ru" sz="2800" dirty="0">
-                <a:latin typeface="cmr12" pitchFamily="34" charset="0"/>
-              </a:rPr>
-              <a:t>= 11.1 </a:t>
-            </a:r>
-            <a:r>
-              <a:rPr lang="ru" sz="2800" dirty="0"/>
-              <a:t>.</a:t>
-            </a:r>
-          </a:p>
-          <a:p>
-            <a:endParaRPr lang="en-GB" sz="2800" dirty="0"/>
-          </a:p>
-        </p:txBody>
-      </p:sp>
-      <p:pic>
-        <p:nvPicPr>
-          <p:cNvPr id="7" name="Picture 6" descr="TP_tmp.png"/>
-          <p:cNvPicPr>
-            <a:picLocks noChangeAspect="1"/>
-          </p:cNvPicPr>
-          <p:nvPr>
-            <p:custDataLst>
-              <p:tags r:id="rId1"/>
-            </p:custDataLst>
-          </p:nvPr>
-        </p:nvPicPr>
-        <p:blipFill>
-          <a:blip r:embed="rId4">
-            <a:clrChange>
-              <a:clrFrom>
-                <a:srgbClr val="FFFFFF"/>
-              </a:clrFrom>
-              <a:clrTo>
-                <a:srgbClr val="FFFFFF">
-                  <a:alpha val="0"/>
-                </a:srgbClr>
-              </a:clrTo>
-            </a:clrChange>
-          </a:blip>
-          <a:stretch>
-            <a:fillRect/>
-          </a:stretch>
-        </p:blipFill>
-        <p:spPr bwMode="auto">
-          <a:xfrm>
-            <a:off x="3196072" y="3786190"/>
-            <a:ext cx="1161614" cy="279030"/>
-          </a:xfrm>
-          <a:prstGeom prst="rect">
-            <a:avLst/>
-          </a:prstGeom>
-          <a:noFill/>
-          <a:ln/>
-          <a:effectLst/>
-        </p:spPr>
-      </p:pic>
-      <p:sp>
-        <p:nvSpPr>
-          <p:cNvPr id="8" name="TextBox 7"/>
-          <p:cNvSpPr txBox="1"/>
-          <p:nvPr/>
-        </p:nvSpPr>
-        <p:spPr>
-          <a:xfrm>
-            <a:off x="4929190" y="2857496"/>
-            <a:ext cx="1714512" cy="369332"/>
-          </a:xfrm>
-          <a:prstGeom prst="rect">
-            <a:avLst/>
-          </a:prstGeom>
-          <a:noFill/>
-        </p:spPr>
-        <p:txBody>
-          <a:bodyPr wrap="square" rtlCol="0">
-            <a:spAutoFit/>
-          </a:bodyPr>
-          <a:lstStyle/>
-          <a:p>
-            <a:pPr algn="r"/>
-            <a:r>
-              <a:rPr lang="ru" dirty="0">
-                <a:solidFill>
-                  <a:srgbClr val="0000FF"/>
-                </a:solidFill>
-              </a:rPr>
-              <a:t>Ошибка тестового набора</a:t>
-            </a:r>
-          </a:p>
-        </p:txBody>
-      </p:sp>
-    </p:spTree>
-  </p:cSld>
-  <p:clrMapOvr>
-    <a:masterClrMapping/>
-  </p:clrMapOvr>
-</p:sld>
-</file>
-
-<file path=ppt/slides/slide56.xml><?xml version="1.0" encoding="utf-8"?>
+<file path=ppt/slides/slide51.xml><?xml version="1.0" encoding="utf-8"?>
 <p:sld xmlns:a="http://schemas.openxmlformats.org/drawingml/2006/main" xmlns:r="http://schemas.openxmlformats.org/officeDocument/2006/relationships" xmlns:p="http://schemas.openxmlformats.org/presentationml/2006/main">
   <p:cSld>
     <p:spTree>
@@ -15862,7 +14611,7 @@
               <a:rPr lang="ru" sz="2800" dirty="0">
                 <a:latin typeface="cmr12" pitchFamily="34" charset="0"/>
               </a:rPr>
-              <a:t>= 11.1 </a:t>
+              <a:t>= 11.1</a:t>
             </a:r>
             <a:r>
               <a:rPr lang="ru" sz="2800" dirty="0"/>
@@ -15882,7 +14631,7 @@
 </p:sld>
 </file>
 
-<file path=ppt/slides/slide57.xml><?xml version="1.0" encoding="utf-8"?>
+<file path=ppt/slides/slide52.xml><?xml version="1.0" encoding="utf-8"?>
 <p:sld xmlns:a="http://schemas.openxmlformats.org/drawingml/2006/main" xmlns:r="http://schemas.openxmlformats.org/officeDocument/2006/relationships" xmlns:p="http://schemas.openxmlformats.org/presentationml/2006/main">
   <p:cSld>
     <p:spTree>
@@ -15912,13 +14661,47 @@
         <p:spPr/>
         <p:txBody>
           <a:bodyPr>
-            <a:normAutofit fontScale="90000"/>
+            <a:noAutofit/>
           </a:bodyPr>
           <a:lstStyle/>
           <a:p>
             <a:r>
-              <a:rPr lang="ru" dirty="0"/>
-              <a:t>Эффективное количество параметров (5)</a:t>
+              <a:rPr lang="ru-RU" sz="3200" dirty="0"/>
+              <a:t>Максимизация правдоподобия </a:t>
+            </a:r>
+            <a:r>
+              <a:rPr lang="ru" sz="3200" dirty="0"/>
+              <a:t>по </a:t>
+            </a:r>
+            <a:r>
+              <a:rPr lang="ru" sz="3200" dirty="0">
+                <a:latin typeface="cmmi12" pitchFamily="34" charset="0"/>
+              </a:rPr>
+              <a:t>®</a:t>
+            </a:r>
+            <a:r>
+              <a:rPr lang="ru" sz="3200" dirty="0"/>
+              <a:t> </a:t>
+            </a:r>
+            <a:r>
+              <a:rPr lang="ru" sz="3200" dirty="0">
+                <a:latin typeface="cmmi12" pitchFamily="34" charset="0"/>
+              </a:rPr>
+              <a:t> </a:t>
+            </a:r>
+            <a:r>
+              <a:rPr lang="ru" sz="3200" dirty="0"/>
+              <a:t>и </a:t>
+            </a:r>
+            <a:r>
+              <a:rPr lang="ru" sz="3200" dirty="0">
+                <a:latin typeface="cmmi12" pitchFamily="34" charset="0"/>
+              </a:rPr>
+              <a:t>¯</a:t>
+            </a:r>
+            <a:r>
+              <a:rPr lang="ru" sz="3200" dirty="0"/>
+              <a:t> (5)</a:t>
             </a:r>
           </a:p>
         </p:txBody>
@@ -16048,7 +14831,7 @@
         </p:blipFill>
         <p:spPr bwMode="auto">
           <a:xfrm>
-            <a:off x="2771800" y="4073446"/>
+            <a:off x="2666002" y="3429000"/>
             <a:ext cx="3811996" cy="1500402"/>
           </a:xfrm>
           <a:prstGeom prst="rect">
@@ -16067,7 +14850,7 @@
 </p:sld>
 </file>
 
-<file path=ppt/slides/slide58.xml><?xml version="1.0" encoding="utf-8"?>
+<file path=ppt/slides/slide53.xml><?xml version="1.0" encoding="utf-8"?>
 <p:sld xmlns:a="http://schemas.openxmlformats.org/drawingml/2006/main" xmlns:r="http://schemas.openxmlformats.org/officeDocument/2006/relationships" xmlns:p="http://schemas.openxmlformats.org/presentationml/2006/main">
   <p:cSld>
     <p:spTree>
@@ -16102,9 +14885,10 @@
           <a:lstStyle/>
           <a:p>
             <a:r>
-              <a:rPr lang="ru" sz="2800" dirty="0"/>
-              <a:t>Ограничения функций фиксированного базиса</a:t>
-            </a:r>
+              <a:rPr lang="ru-RU" sz="2800" dirty="0"/>
+              <a:t>Ограничения фиксированных базисных функций</a:t>
+            </a:r>
+            <a:endParaRPr lang="ru" sz="2800" dirty="0"/>
           </a:p>
         </p:txBody>
       </p:sp>
@@ -16118,9 +14902,16 @@
             <p:ph idx="1"/>
           </p:nvPr>
         </p:nvSpPr>
-        <p:spPr/>
-        <p:txBody>
-          <a:bodyPr/>
+        <p:spPr>
+          <a:xfrm>
+            <a:off x="609600" y="1600200"/>
+            <a:ext cx="7922840" cy="4781128"/>
+          </a:xfrm>
+        </p:spPr>
+        <p:txBody>
+          <a:bodyPr>
+            <a:normAutofit fontScale="92500" lnSpcReduction="10000"/>
+          </a:bodyPr>
           <a:lstStyle/>
           <a:p>
             <a:pPr>
@@ -16128,44 +14919,40 @@
               <a:buChar char="•"/>
             </a:pPr>
             <a:r>
-              <a:rPr lang="ru" dirty="0">
+              <a:rPr lang="ru" sz="2000" dirty="0">
                 <a:latin typeface="cmmi12" pitchFamily="34" charset="0"/>
               </a:rPr>
               <a:t>M </a:t>
             </a:r>
             <a:r>
-              <a:rPr lang="ru" sz="3200" dirty="0"/>
-              <a:t> </a:t>
-            </a:r>
-            <a:r>
-              <a:rPr lang="ru" dirty="0"/>
-              <a:t>по каждому измерению </a:t>
-            </a:r>
-            <a:r>
-              <a:rPr lang="ru" dirty="0">
+              <a:rPr lang="ru" sz="2000" dirty="0"/>
+              <a:t> по каждому измерению </a:t>
+            </a:r>
+            <a:r>
+              <a:rPr lang="ru" sz="2000" dirty="0">
                 <a:latin typeface="cmmi12" pitchFamily="34" charset="0"/>
               </a:rPr>
               <a:t>D </a:t>
             </a:r>
             <a:r>
-              <a:rPr lang="ru" dirty="0"/>
-              <a:t>-мерного входного пространства требует базисных функций </a:t>
-            </a:r>
-            <a:r>
-              <a:rPr lang="ru" dirty="0">
+              <a:rPr lang="ru" sz="2000" dirty="0"/>
+              <a:t>-мерного входного пространства требует </a:t>
+            </a:r>
+            <a:r>
+              <a:rPr lang="ru" sz="2000" dirty="0">
                 <a:latin typeface="cmmi12" pitchFamily="34" charset="0"/>
               </a:rPr>
               <a:t>M </a:t>
             </a:r>
             <a:r>
-              <a:rPr lang="ru" baseline="25000" dirty="0">
+              <a:rPr lang="ru" sz="2000" baseline="25000" dirty="0">
                 <a:latin typeface="cmmi12" pitchFamily="34" charset="0"/>
               </a:rPr>
-              <a:t>D  </a:t>
-            </a:r>
-            <a:r>
-              <a:rPr lang="ru" dirty="0"/>
-              <a:t> -  проклятие размерности.</a:t>
+              <a:t>D</a:t>
+            </a:r>
+            <a:r>
+              <a:rPr lang="ru" sz="2000" dirty="0"/>
+              <a:t> базисных функций -  проклятие размерности.</a:t>
             </a:r>
           </a:p>
           <a:p>
@@ -16174,8 +14961,28 @@
               <a:buChar char="•"/>
             </a:pPr>
             <a:r>
-              <a:rPr lang="ru" dirty="0"/>
-              <a:t>Далее мы увидим, как можно обойтись меньшим количеством базисных функций, выбирая их с использованием обучающих данных.</a:t>
+              <a:rPr lang="ru-RU" sz="2000" dirty="0"/>
+              <a:t>Если мы используем локализованные ба­зисные функции, то можем распределить их в пространстве входных данных только в областях, содержащих данные. Этот подход используется в сетях ради­ально-базисных функций, а также в методах опорных и релевантных векторов. </a:t>
+            </a:r>
+          </a:p>
+          <a:p>
+            <a:pPr>
+              <a:buFont typeface="Arial" pitchFamily="34" charset="0"/>
+              <a:buChar char="•"/>
+            </a:pPr>
+            <a:r>
+              <a:rPr lang="ru-RU" sz="2000" dirty="0"/>
+              <a:t>Модели нейронных сетей, которые используют адаптивные базисные функции, имеющие сигмоидальные нелинейности, могут настраивать параметры так, что­ бы области пространства входных переменных, по которым изменяются базисные функции, соответствовали многообразию данных. </a:t>
+            </a:r>
+          </a:p>
+          <a:p>
+            <a:pPr>
+              <a:buFont typeface="Arial" pitchFamily="34" charset="0"/>
+              <a:buChar char="•"/>
+            </a:pPr>
+            <a:r>
+              <a:rPr lang="ru-RU" sz="2000" dirty="0"/>
+              <a:t>Целевые переменные могут иметь существенную зависимость лишь от небольшого числа возможных направлений в многообразии данных. Нейронные сети могут использовать это свойство, выбирая направления в пространстве входных переменных, на которые реагируют базисные функции.</a:t>
             </a:r>
           </a:p>
         </p:txBody>
@@ -18516,118 +17323,6 @@
 <file path=ppt/tags/tag70.xml><?xml version="1.0" encoding="utf-8"?>
 <p:tagLst xmlns:a="http://schemas.openxmlformats.org/drawingml/2006/main" xmlns:r="http://schemas.openxmlformats.org/officeDocument/2006/relationships" xmlns:p="http://schemas.openxmlformats.org/presentationml/2006/main">
   <p:tag name="TEXPOINT" val="latex"/>
-  <p:tag name="SOURCE" val="\documentclass{book}&#10;\pagestyle{empty}&#10;\input{C:/Users/markussv/depots/CMBBOOK/latex/prml-utils}&#10;\begin{document}&#10;\[&#10;  p(t|\vectt) = \iiint p(t|\bfw, \beta) p(\bfw|\vectt, \alpha,&#10;  \beta) p(\alpha, \beta|\vectt) \diff{\bfw} \diff{\alpha}&#10;  \diff{\beta}&#10;\]&#10;\end{document}&#10;"/>
-  <p:tag name="FILENAME" val="TP_tmp"/>
-  <p:tag name="FORMAT" val="png256"/>
-  <p:tag name="RES" val="600"/>
-  <p:tag name="BLEND" val="0"/>
-  <p:tag name="TRANSPARENT" val="1"/>
-  <p:tag name="TBUG" val="0"/>
-  <p:tag name="ALLOWFS" val="0"/>
-  <p:tag name="ORIGWIDTH" val="229"/>
-  <p:tag name="PICTUREFILESIZE" val="7464"/>
-</p:tagLst>
-</file>
-
-<file path=ppt/tags/tag71.xml><?xml version="1.0" encoding="utf-8"?>
-<p:tagLst xmlns:a="http://schemas.openxmlformats.org/drawingml/2006/main" xmlns:r="http://schemas.openxmlformats.org/officeDocument/2006/relationships" xmlns:p="http://schemas.openxmlformats.org/presentationml/2006/main">
-  <p:tag name="TEXPOINT" val="latex"/>
-  <p:tag name="SOURCE" val="\documentclass{book}&#10;\pagestyle{empty}&#10;\input{C:/Users/markussv/depots/CMBBOOK/latex/prml-utils}&#10;\begin{document}&#10;\[&#10;p(t|\vectt) \simeq p \left( t|\vectt, \widehat{\alpha}, \widehat{\beta} \right)&#10;  = \int p \left(t |\bfw, \widehat{\beta} \right)&#10;  p \left( \bfw|\vectt, \widehat{\alpha}, \widehat{\beta} \right) \diff{\bfw}&#10;\]&#10;\end{document}&#10;"/>
-  <p:tag name="FILENAME" val="TP_tmp"/>
-  <p:tag name="FORMAT" val="png256"/>
-  <p:tag name="RES" val="600"/>
-  <p:tag name="BLEND" val="0"/>
-  <p:tag name="TRANSPARENT" val="1"/>
-  <p:tag name="TBUG" val="0"/>
-  <p:tag name="ALLOWFS" val="0"/>
-  <p:tag name="ORIGWIDTH" val="231"/>
-  <p:tag name="PICTUREFILESIZE" val="8330"/>
-</p:tagLst>
-</file>
-
-<file path=ppt/tags/tag72.xml><?xml version="1.0" encoding="utf-8"?>
-<p:tagLst xmlns:a="http://schemas.openxmlformats.org/drawingml/2006/main" xmlns:r="http://schemas.openxmlformats.org/officeDocument/2006/relationships" xmlns:p="http://schemas.openxmlformats.org/presentationml/2006/main">
-  <p:tag name="TEXPOINT" val="latex"/>
-  <p:tag name="SOURCE" val="\documentclass{book}&#10;\pagestyle{empty}&#10;\input{C:/Users/markussv/depots/CMBBOOK/latex/prml-utils}&#10;\begin{document}&#10;\[&#10;\left( \widehat{\alpha}, \widehat{\beta} \right)&#10;\]&#10;\end{document}&#10;"/>
-  <p:tag name="FILENAME" val="TP_tmp"/>
-  <p:tag name="FORMAT" val="png256"/>
-  <p:tag name="RES" val="600"/>
-  <p:tag name="BLEND" val="0"/>
-  <p:tag name="TRANSPARENT" val="1"/>
-  <p:tag name="TBUG" val="0"/>
-  <p:tag name="ALLOWFS" val="0"/>
-  <p:tag name="ORIGWIDTH" val="26"/>
-  <p:tag name="PICTUREFILESIZE" val="2076"/>
-</p:tagLst>
-</file>
-
-<file path=ppt/tags/tag73.xml><?xml version="1.0" encoding="utf-8"?>
-<p:tagLst xmlns:a="http://schemas.openxmlformats.org/drawingml/2006/main" xmlns:r="http://schemas.openxmlformats.org/officeDocument/2006/relationships" xmlns:p="http://schemas.openxmlformats.org/presentationml/2006/main">
-  <p:tag name="TEXPOINT" val="latex"/>
-  <p:tag name="SOURCE" val="\documentclass{book}&#10;\pagestyle{empty}&#10;\input{C:/Users/markussv/depots/CMBBOOK/latex/prml-utils}&#10;\begin{document}&#10;\[&#10;p(\alpha, \beta|\vectt)&#10;\]&#10;\end{document}&#10;"/>
-  <p:tag name="FILENAME" val="TP_tmp"/>
-  <p:tag name="FORMAT" val="png256"/>
-  <p:tag name="RES" val="600"/>
-  <p:tag name="BLEND" val="0"/>
-  <p:tag name="TRANSPARENT" val="1"/>
-  <p:tag name="TBUG" val="0"/>
-  <p:tag name="ALLOWFS" val="0"/>
-  <p:tag name="ORIGWIDTH" val="37"/>
-  <p:tag name="PICTUREFILESIZE" val="2076"/>
-</p:tagLst>
-</file>
-
-<file path=ppt/tags/tag74.xml><?xml version="1.0" encoding="utf-8"?>
-<p:tagLst xmlns:a="http://schemas.openxmlformats.org/drawingml/2006/main" xmlns:r="http://schemas.openxmlformats.org/officeDocument/2006/relationships" xmlns:p="http://schemas.openxmlformats.org/presentationml/2006/main">
-  <p:tag name="TEXPOINT" val="latex"/>
-  <p:tag name="SOURCE" val="\documentclass{book}&#10;\pagestyle{empty}&#10;\input{C:/Users/markussv/depots/CMBBOOK/latex/prml-utils}&#10;\begin{document}&#10;\[&#10;p(\alpha, \beta|\vectt) \propto p(\vectt| \alpha, \beta)&#10;  p(\alpha, \beta)&#10;\]&#10;\end{document}&#10;"/>
-  <p:tag name="FILENAME" val="TP_tmp"/>
-  <p:tag name="FORMAT" val="png256"/>
-  <p:tag name="RES" val="600"/>
-  <p:tag name="BLEND" val="0"/>
-  <p:tag name="TRANSPARENT" val="1"/>
-  <p:tag name="TBUG" val="0"/>
-  <p:tag name="ALLOWFS" val="0"/>
-  <p:tag name="ORIGWIDTH" val="116"/>
-  <p:tag name="PICTUREFILESIZE" val="3776"/>
-</p:tagLst>
-</file>
-
-<file path=ppt/tags/tag75.xml><?xml version="1.0" encoding="utf-8"?>
-<p:tagLst xmlns:a="http://schemas.openxmlformats.org/drawingml/2006/main" xmlns:r="http://schemas.openxmlformats.org/officeDocument/2006/relationships" xmlns:p="http://schemas.openxmlformats.org/presentationml/2006/main">
-  <p:tag name="TEXPOINT" val="latex"/>
-  <p:tag name="SOURCE" val="\documentclass{book}&#10;\pagestyle{empty}&#10;\input{C:/Users/markussv/depots/CMBBOOK/latex/prml-utils}&#10;\begin{document}&#10;\begin{eqnarray*}&#10;p(\alpha, \beta|\vectt) &amp; \propto &amp; p(\vectt| \alpha, \beta) \\&#10;&amp; = &amp; \int p(\vectt|\bfw, \beta)&#10;  p(\bfw|\alpha) \diff{\bfw}.&#10;\end{eqnarray*}&#10;\end{document}&#10;"/>
-  <p:tag name="FILENAME" val="TP_tmp"/>
-  <p:tag name="FORMAT" val="png256"/>
-  <p:tag name="RES" val="600"/>
-  <p:tag name="BLEND" val="0"/>
-  <p:tag name="TRANSPARENT" val="1"/>
-  <p:tag name="TBUG" val="0"/>
-  <p:tag name="ALLOWFS" val="0"/>
-  <p:tag name="ORIGWIDTH" val="164"/>
-  <p:tag name="PICTUREFILESIZE" val="7504"/>
-</p:tagLst>
-</file>
-
-<file path=ppt/tags/tag76.xml><?xml version="1.0" encoding="utf-8"?>
-<p:tagLst xmlns:a="http://schemas.openxmlformats.org/drawingml/2006/main" xmlns:r="http://schemas.openxmlformats.org/officeDocument/2006/relationships" xmlns:p="http://schemas.openxmlformats.org/presentationml/2006/main">
-  <p:tag name="TEXPOINT" val="latex"/>
-  <p:tag name="SOURCE" val="\documentclass{book}&#10;\pagestyle{empty}&#10;\input{C:/Users/markussv/depots/CMBBOOK/latex/prml-utils}&#10;\begin{document}&#10;\[&#10;  \ln p(\vectt|\alpha, \beta) = \frac{M}{2} \ln \alpha +&#10;  \frac{N}{2} \ln \beta - E(\bfm_N) + \frac{1}{2} \ln&#10;  |\bfS_{N}| - \frac{N}{2} \ln (2\pi).&#10;\]&#10;\end{document}&#10;"/>
-  <p:tag name="FILENAME" val="TP_tmp"/>
-  <p:tag name="FORMAT" val="png256"/>
-  <p:tag name="RES" val="600"/>
-  <p:tag name="BLEND" val="0"/>
-  <p:tag name="TRANSPARENT" val="1"/>
-  <p:tag name="TBUG" val="0"/>
-  <p:tag name="ALLOWFS" val="0"/>
-  <p:tag name="ORIGWIDTH" val="283"/>
-  <p:tag name="PICTUREFILESIZE" val="8901"/>
-</p:tagLst>
-</file>
-
-<file path=ppt/tags/tag77.xml><?xml version="1.0" encoding="utf-8"?>
-<p:tagLst xmlns:a="http://schemas.openxmlformats.org/drawingml/2006/main" xmlns:r="http://schemas.openxmlformats.org/officeDocument/2006/relationships" xmlns:p="http://schemas.openxmlformats.org/presentationml/2006/main">
-  <p:tag name="TEXPOINT" val="latex"/>
   <p:tag name="SOURCE" val="\documentclass{book}&#10;\pagestyle{empty}&#10;\input{C:/Users/markussv/depots/CMBBOOK/latex/prml-utils}&#10;\begin{document}&#10;\[&#10;\alpha = 5 \times 10^{-3}&#10;\]&#10;\end{document}&#10;"/>
   <p:tag name="FILENAME" val="TP_tmp"/>
   <p:tag name="FORMAT" val="png256"/>
@@ -18641,7 +17336,7 @@
 </p:tagLst>
 </file>
 
-<file path=ppt/tags/tag78.xml><?xml version="1.0" encoding="utf-8"?>
+<file path=ppt/tags/tag71.xml><?xml version="1.0" encoding="utf-8"?>
 <p:tagLst xmlns:a="http://schemas.openxmlformats.org/drawingml/2006/main" xmlns:r="http://schemas.openxmlformats.org/officeDocument/2006/relationships" xmlns:p="http://schemas.openxmlformats.org/presentationml/2006/main">
   <p:tag name="TEXPOINT" val="latex"/>
   <p:tag name="SOURCE" val="\documentclass{book}&#10;\pagestyle{empty}&#10;\input{C:/Users/markussv/depots/CMBBOOK/latex/prml-utils}&#10;\begin{document}&#10;\[&#10; \ln p(\vectt|\alpha, \beta)&#10;\]&#10;\end{document}&#10;"/>
@@ -18657,7 +17352,7 @@
 </p:tagLst>
 </file>
 
-<file path=ppt/tags/tag79.xml><?xml version="1.0" encoding="utf-8"?>
+<file path=ppt/tags/tag72.xml><?xml version="1.0" encoding="utf-8"?>
 <p:tagLst xmlns:a="http://schemas.openxmlformats.org/drawingml/2006/main" xmlns:r="http://schemas.openxmlformats.org/officeDocument/2006/relationships" xmlns:p="http://schemas.openxmlformats.org/presentationml/2006/main">
   <p:tag name="TEXPOINT" val="latex"/>
   <p:tag name="SOURCE" val="\documentclass{book}&#10;\pagestyle{empty}&#10;\input{C:/Users/markussv/depots/CMBBOOK/latex/prml-utils}&#10;\begin{document}&#10;\[&#10; \ln p(\vectt|\alpha, \beta)&#10;\]&#10;\end{document}&#10;"/>
@@ -18670,6 +17365,118 @@
   <p:tag name="ALLOWFS" val="0"/>
   <p:tag name="ORIGWIDTH" val="46"/>
   <p:tag name="PICTUREFILESIZE" val="2175"/>
+</p:tagLst>
+</file>
+
+<file path=ppt/tags/tag73.xml><?xml version="1.0" encoding="utf-8"?>
+<p:tagLst xmlns:a="http://schemas.openxmlformats.org/drawingml/2006/main" xmlns:r="http://schemas.openxmlformats.org/officeDocument/2006/relationships" xmlns:p="http://schemas.openxmlformats.org/presentationml/2006/main">
+  <p:tag name="TEXPOINT" val="latex"/>
+  <p:tag name="SOURCE" val="\documentclass{book}&#10;\pagestyle{empty}&#10;\input{C:/Users/markussv/depots/CMBBOOK/latex/prml-utils}&#10;\begin{document}&#10;\[&#10;\left( \beta \boldPhi^\T \boldPhi \right) \bfu_i = \lambda_i \bfu_i.&#10;\]&#10;\end{document}&#10;"/>
+  <p:tag name="FILENAME" val="TP_tmp"/>
+  <p:tag name="FORMAT" val="png256"/>
+  <p:tag name="RES" val="600"/>
+  <p:tag name="BLEND" val="0"/>
+  <p:tag name="TRANSPARENT" val="1"/>
+  <p:tag name="TBUG" val="0"/>
+  <p:tag name="ALLOWFS" val="0"/>
+  <p:tag name="ORIGWIDTH" val="85"/>
+  <p:tag name="PICTUREFILESIZE" val="3127"/>
+</p:tagLst>
+</file>
+
+<file path=ppt/tags/tag74.xml><?xml version="1.0" encoding="utf-8"?>
+<p:tagLst xmlns:a="http://schemas.openxmlformats.org/drawingml/2006/main" xmlns:r="http://schemas.openxmlformats.org/officeDocument/2006/relationships" xmlns:p="http://schemas.openxmlformats.org/presentationml/2006/main">
+  <p:tag name="TEXPOINT" val="latex"/>
+  <p:tag name="SOURCE" val="\documentclass{book}&#10;\pagestyle{empty}&#10;\input{C:/Users/markussv/depots/CMBBOOK/latex/prml-utils}&#10;\begin{document}&#10;\[&#10;\bfA = \bfS_{N}^{-1} = \alpha \bfI + \beta \boldPhi^\T \boldPhi&#10;\]&#10;\end{document}&#10;"/>
+  <p:tag name="FILENAME" val="TP_tmp"/>
+  <p:tag name="FORMAT" val="png256"/>
+  <p:tag name="RES" val="600"/>
+  <p:tag name="BLEND" val="0"/>
+  <p:tag name="TRANSPARENT" val="1"/>
+  <p:tag name="TBUG" val="0"/>
+  <p:tag name="ALLOWFS" val="0"/>
+  <p:tag name="ORIGWIDTH" val="105"/>
+  <p:tag name="PICTUREFILESIZE" val="3005"/>
+</p:tagLst>
+</file>
+
+<file path=ppt/tags/tag75.xml><?xml version="1.0" encoding="utf-8"?>
+<p:tagLst xmlns:a="http://schemas.openxmlformats.org/drawingml/2006/main" xmlns:r="http://schemas.openxmlformats.org/officeDocument/2006/relationships" xmlns:p="http://schemas.openxmlformats.org/presentationml/2006/main">
+  <p:tag name="TEXPOINT" val="latex"/>
+  <p:tag name="SOURCE" val="\documentclass{book}&#10;\pagestyle{empty}&#10;\input{C:/Users/markussv/depots/CMBBOOK/latex/prml-utils}&#10;\begin{document}&#10;\[&#10; \ln p(\vectt|\alpha, \beta)&#10;\]&#10;\end{document}&#10;"/>
+  <p:tag name="FILENAME" val="TP_tmp"/>
+  <p:tag name="FORMAT" val="png256"/>
+  <p:tag name="RES" val="600"/>
+  <p:tag name="BLEND" val="0"/>
+  <p:tag name="TRANSPARENT" val="1"/>
+  <p:tag name="TBUG" val="0"/>
+  <p:tag name="ALLOWFS" val="0"/>
+  <p:tag name="ORIGWIDTH" val="46"/>
+  <p:tag name="PICTUREFILESIZE" val="2175"/>
+</p:tagLst>
+</file>
+
+<file path=ppt/tags/tag76.xml><?xml version="1.0" encoding="utf-8"?>
+<p:tagLst xmlns:a="http://schemas.openxmlformats.org/drawingml/2006/main" xmlns:r="http://schemas.openxmlformats.org/officeDocument/2006/relationships" xmlns:p="http://schemas.openxmlformats.org/presentationml/2006/main">
+  <p:tag name="TEXPOINT" val="latex"/>
+  <p:tag name="SOURCE" val="\documentclass{book}&#10;\pagestyle{empty}&#10;\input{C:/Users/markussv/depots/CMBBOOK/latex/prml-utils}&#10;\begin{document}&#10;\begin{eqnarray*}&#10;\alpha &amp; = &amp; \frac{\gamma}{\bfm_N^\T \bfm_N} \\&#10;\frac{1}{\beta} &amp; = &amp; \frac{1}{N - \gamma}&#10;  \sum_{n=1}^N \left\{ t_n -&#10;  \bfm_N^\T \boldphi(\bfx_n) \right\}^2&#10;\end{eqnarray*}&#10;\end{document}&#10;"/>
+  <p:tag name="FILENAME" val="TP_tmp"/>
+  <p:tag name="FORMAT" val="png256"/>
+  <p:tag name="RES" val="600"/>
+  <p:tag name="BLEND" val="0"/>
+  <p:tag name="TRANSPARENT" val="1"/>
+  <p:tag name="TBUG" val="0"/>
+  <p:tag name="ALLOWFS" val="0"/>
+  <p:tag name="ORIGWIDTH" val="164"/>
+  <p:tag name="PICTUREFILESIZE" val="8081"/>
+</p:tagLst>
+</file>
+
+<file path=ppt/tags/tag77.xml><?xml version="1.0" encoding="utf-8"?>
+<p:tagLst xmlns:a="http://schemas.openxmlformats.org/drawingml/2006/main" xmlns:r="http://schemas.openxmlformats.org/officeDocument/2006/relationships" xmlns:p="http://schemas.openxmlformats.org/presentationml/2006/main">
+  <p:tag name="TEXPOINT" val="latex"/>
+  <p:tag name="SOURCE" val="\documentclass{book}&#10;\pagestyle{empty}&#10;\input{C:/Users/markussv/depots/CMBBOOK/latex/prml-utils}&#10;\begin{document}&#10;\[&#10;\gamma = \sum_i&#10;  \frac{\lambda_i}{\alpha + \lambda_i}.&#10;\]&#10;\end{document}&#10;"/>
+  <p:tag name="FILENAME" val="TP_tmp"/>
+  <p:tag name="FORMAT" val="png256"/>
+  <p:tag name="RES" val="600"/>
+  <p:tag name="BLEND" val="0"/>
+  <p:tag name="TRANSPARENT" val="1"/>
+  <p:tag name="TBUG" val="0"/>
+  <p:tag name="ALLOWFS" val="0"/>
+  <p:tag name="ORIGWIDTH" val="68"/>
+  <p:tag name="PICTUREFILESIZE" val="3076"/>
+</p:tagLst>
+</file>
+
+<file path=ppt/tags/tag78.xml><?xml version="1.0" encoding="utf-8"?>
+<p:tagLst xmlns:a="http://schemas.openxmlformats.org/drawingml/2006/main" xmlns:r="http://schemas.openxmlformats.org/officeDocument/2006/relationships" xmlns:p="http://schemas.openxmlformats.org/presentationml/2006/main">
+  <p:tag name="TEXPOINT" val="latex"/>
+  <p:tag name="SOURCE" val="\documentclass{book}&#10;\pagestyle{empty}&#10;\input{C:/Users/markussv/depots/CMBBOOK/latex/prml-utils}&#10;\begin{document}&#10;\[&#10;N \gg M&#10;\]&#10;\end{document}&#10;"/>
+  <p:tag name="FILENAME" val="TP_tmp"/>
+  <p:tag name="FORMAT" val="png256"/>
+  <p:tag name="RES" val="600"/>
+  <p:tag name="BLEND" val="0"/>
+  <p:tag name="TRANSPARENT" val="1"/>
+  <p:tag name="TBUG" val="0"/>
+  <p:tag name="ALLOWFS" val="0"/>
+  <p:tag name="ORIGWIDTH" val="36"/>
+  <p:tag name="PICTUREFILESIZE" val="1829"/>
+</p:tagLst>
+</file>
+
+<file path=ppt/tags/tag79.xml><?xml version="1.0" encoding="utf-8"?>
+<p:tagLst xmlns:a="http://schemas.openxmlformats.org/drawingml/2006/main" xmlns:r="http://schemas.openxmlformats.org/officeDocument/2006/relationships" xmlns:p="http://schemas.openxmlformats.org/presentationml/2006/main">
+  <p:tag name="TEXPOINT" val="latex"/>
+  <p:tag name="SOURCE" val="\documentclass{book}&#10;\pagestyle{empty}&#10;\input{C:/Users/markussv/depots/CMBBOOK/latex/prml-utils}&#10;\begin{document}&#10;\begin{eqnarray*}&#10;\alpha &amp; = &amp; \frac{M}{\bfm_N^\T \bfm_N} \\&#10;\frac{1}{\beta} &amp; = &amp; \frac{1}{N}&#10;  \sum_{n=1}^N \left\{ t_n -&#10;  \bfm_N^\T \boldphi(\bfx_n) \right\}^2 .&#10;\end{eqnarray*}&#10;\end{document}&#10;"/>
+  <p:tag name="FILENAME" val="TP_tmp"/>
+  <p:tag name="FORMAT" val="png256"/>
+  <p:tag name="RES" val="600"/>
+  <p:tag name="BLEND" val="0"/>
+  <p:tag name="TRANSPARENT" val="1"/>
+  <p:tag name="TBUG" val="0"/>
+  <p:tag name="ALLOWFS" val="0"/>
+  <p:tag name="ORIGWIDTH" val="150"/>
+  <p:tag name="PICTUREFILESIZE" val="8010"/>
 </p:tagLst>
 </file>
 
@@ -18689,166 +17496,6 @@
 </p:tagLst>
 </file>
 
-<file path=ppt/tags/tag80.xml><?xml version="1.0" encoding="utf-8"?>
-<p:tagLst xmlns:a="http://schemas.openxmlformats.org/drawingml/2006/main" xmlns:r="http://schemas.openxmlformats.org/officeDocument/2006/relationships" xmlns:p="http://schemas.openxmlformats.org/presentationml/2006/main">
-  <p:tag name="TEXPOINT" val="latex"/>
-  <p:tag name="SOURCE" val="\documentclass{book}&#10;\pagestyle{empty}&#10;\input{C:/Users/markussv/depots/CMBBOOK/latex/prml-utils}&#10;\begin{document}&#10;\[&#10;\left( \beta \boldPhi^\T \boldPhi \right) \bfu_i = \lambda_i \bfu_i.&#10;\]&#10;\end{document}&#10;"/>
-  <p:tag name="FILENAME" val="TP_tmp"/>
-  <p:tag name="FORMAT" val="png256"/>
-  <p:tag name="RES" val="600"/>
-  <p:tag name="BLEND" val="0"/>
-  <p:tag name="TRANSPARENT" val="1"/>
-  <p:tag name="TBUG" val="0"/>
-  <p:tag name="ALLOWFS" val="0"/>
-  <p:tag name="ORIGWIDTH" val="85"/>
-  <p:tag name="PICTUREFILESIZE" val="3127"/>
-</p:tagLst>
-</file>
-
-<file path=ppt/tags/tag81.xml><?xml version="1.0" encoding="utf-8"?>
-<p:tagLst xmlns:a="http://schemas.openxmlformats.org/drawingml/2006/main" xmlns:r="http://schemas.openxmlformats.org/officeDocument/2006/relationships" xmlns:p="http://schemas.openxmlformats.org/presentationml/2006/main">
-  <p:tag name="TEXPOINT" val="latex"/>
-  <p:tag name="SOURCE" val="\documentclass{book}&#10;\pagestyle{empty}&#10;\input{C:/Users/markussv/depots/CMBBOOK/latex/prml-utils}&#10;\begin{document}&#10;\[&#10;\bfA = \bfS_{N}^{-1} = \alpha \bfI + \beta \boldPhi^\T \boldPhi&#10;\]&#10;\end{document}&#10;"/>
-  <p:tag name="FILENAME" val="TP_tmp"/>
-  <p:tag name="FORMAT" val="png256"/>
-  <p:tag name="RES" val="600"/>
-  <p:tag name="BLEND" val="0"/>
-  <p:tag name="TRANSPARENT" val="1"/>
-  <p:tag name="TBUG" val="0"/>
-  <p:tag name="ALLOWFS" val="0"/>
-  <p:tag name="ORIGWIDTH" val="105"/>
-  <p:tag name="PICTUREFILESIZE" val="3005"/>
-</p:tagLst>
-</file>
-
-<file path=ppt/tags/tag82.xml><?xml version="1.0" encoding="utf-8"?>
-<p:tagLst xmlns:a="http://schemas.openxmlformats.org/drawingml/2006/main" xmlns:r="http://schemas.openxmlformats.org/officeDocument/2006/relationships" xmlns:p="http://schemas.openxmlformats.org/presentationml/2006/main">
-  <p:tag name="TEXPOINT" val="latex"/>
-  <p:tag name="SOURCE" val="\documentclass{book}&#10;\pagestyle{empty}&#10;\input{C:/Users/markussv/depots/CMBBOOK/latex/prml-utils}&#10;\begin{document}&#10;\[&#10; \ln p(\vectt|\alpha, \beta)&#10;\]&#10;\end{document}&#10;"/>
-  <p:tag name="FILENAME" val="TP_tmp"/>
-  <p:tag name="FORMAT" val="png256"/>
-  <p:tag name="RES" val="600"/>
-  <p:tag name="BLEND" val="0"/>
-  <p:tag name="TRANSPARENT" val="1"/>
-  <p:tag name="TBUG" val="0"/>
-  <p:tag name="ALLOWFS" val="0"/>
-  <p:tag name="ORIGWIDTH" val="46"/>
-  <p:tag name="PICTUREFILESIZE" val="2175"/>
-</p:tagLst>
-</file>
-
-<file path=ppt/tags/tag83.xml><?xml version="1.0" encoding="utf-8"?>
-<p:tagLst xmlns:a="http://schemas.openxmlformats.org/drawingml/2006/main" xmlns:r="http://schemas.openxmlformats.org/officeDocument/2006/relationships" xmlns:p="http://schemas.openxmlformats.org/presentationml/2006/main">
-  <p:tag name="TEXPOINT" val="latex"/>
-  <p:tag name="SOURCE" val="\documentclass{book}&#10;\pagestyle{empty}&#10;\input{C:/Users/markussv/depots/CMBBOOK/latex/prml-utils}&#10;\begin{document}&#10;\begin{eqnarray*}&#10;\alpha &amp; = &amp; \frac{\gamma}{\bfm_N^\T \bfm_N} \\&#10;\frac{1}{\beta} &amp; = &amp; \frac{1}{N - \gamma}&#10;  \sum_{n=1}^N \left\{ t_n -&#10;  \bfm_N^\T \boldphi(\bfx_n) \right\}^2&#10;\end{eqnarray*}&#10;\end{document}&#10;"/>
-  <p:tag name="FILENAME" val="TP_tmp"/>
-  <p:tag name="FORMAT" val="png256"/>
-  <p:tag name="RES" val="600"/>
-  <p:tag name="BLEND" val="0"/>
-  <p:tag name="TRANSPARENT" val="1"/>
-  <p:tag name="TBUG" val="0"/>
-  <p:tag name="ALLOWFS" val="0"/>
-  <p:tag name="ORIGWIDTH" val="164"/>
-  <p:tag name="PICTUREFILESIZE" val="8081"/>
-</p:tagLst>
-</file>
-
-<file path=ppt/tags/tag84.xml><?xml version="1.0" encoding="utf-8"?>
-<p:tagLst xmlns:a="http://schemas.openxmlformats.org/drawingml/2006/main" xmlns:r="http://schemas.openxmlformats.org/officeDocument/2006/relationships" xmlns:p="http://schemas.openxmlformats.org/presentationml/2006/main">
-  <p:tag name="TEXPOINT" val="latex"/>
-  <p:tag name="SOURCE" val="\documentclass{book}&#10;\pagestyle{empty}&#10;\input{C:/Users/markussv/depots/CMBBOOK/latex/prml-utils}&#10;\begin{document}&#10;\[&#10;\gamma = \sum_i&#10;  \frac{\lambda_i}{\alpha + \lambda_i}.&#10;\]&#10;\end{document}&#10;"/>
-  <p:tag name="FILENAME" val="TP_tmp"/>
-  <p:tag name="FORMAT" val="png256"/>
-  <p:tag name="RES" val="600"/>
-  <p:tag name="BLEND" val="0"/>
-  <p:tag name="TRANSPARENT" val="1"/>
-  <p:tag name="TBUG" val="0"/>
-  <p:tag name="ALLOWFS" val="0"/>
-  <p:tag name="ORIGWIDTH" val="68"/>
-  <p:tag name="PICTUREFILESIZE" val="3076"/>
-</p:tagLst>
-</file>
-
-<file path=ppt/tags/tag85.xml><?xml version="1.0" encoding="utf-8"?>
-<p:tagLst xmlns:a="http://schemas.openxmlformats.org/drawingml/2006/main" xmlns:r="http://schemas.openxmlformats.org/officeDocument/2006/relationships" xmlns:p="http://schemas.openxmlformats.org/presentationml/2006/main">
-  <p:tag name="TEXPOINT" val="latex"/>
-  <p:tag name="SOURCE" val="\documentclass{book}&#10;\pagestyle{empty}&#10;\input{C:/Users/markussv/depots/CMBBOOK/latex/prml-utils}&#10;\begin{document}&#10;\[&#10;\lambda_{2} \gg \alpha&#10;\]&#10;\end{document}&#10;"/>
-  <p:tag name="FILENAME" val="TP_tmp"/>
-  <p:tag name="FORMAT" val="png256"/>
-  <p:tag name="RES" val="600"/>
-  <p:tag name="BLEND" val="0"/>
-  <p:tag name="TRANSPARENT" val="1"/>
-  <p:tag name="TBUG" val="0"/>
-  <p:tag name="ALLOWFS" val="0"/>
-  <p:tag name="ORIGWIDTH" val="32"/>
-  <p:tag name="PICTUREFILESIZE" val="1712"/>
-</p:tagLst>
-</file>
-
-<file path=ppt/tags/tag86.xml><?xml version="1.0" encoding="utf-8"?>
-<p:tagLst xmlns:a="http://schemas.openxmlformats.org/drawingml/2006/main" xmlns:r="http://schemas.openxmlformats.org/officeDocument/2006/relationships" xmlns:p="http://schemas.openxmlformats.org/presentationml/2006/main">
-  <p:tag name="TEXPOINT" val="latex"/>
-  <p:tag name="SOURCE" val="\documentclass{book}&#10;\pagestyle{empty}&#10;\input{C:/Users/markussv/depots/CMBBOOK/latex/prml-utils}&#10;\begin{document}&#10;\[&#10;\lambda_{1} \ll \alpha&#10;\]&#10;\end{document}&#10;"/>
-  <p:tag name="FILENAME" val="TP_tmp"/>
-  <p:tag name="FORMAT" val="png256"/>
-  <p:tag name="RES" val="600"/>
-  <p:tag name="BLEND" val="0"/>
-  <p:tag name="TRANSPARENT" val="1"/>
-  <p:tag name="TBUG" val="0"/>
-  <p:tag name="ALLOWFS" val="0"/>
-  <p:tag name="ORIGWIDTH" val="32"/>
-  <p:tag name="PICTUREFILESIZE" val="1656"/>
-</p:tagLst>
-</file>
-
-<file path=ppt/tags/tag87.xml><?xml version="1.0" encoding="utf-8"?>
-<p:tagLst xmlns:a="http://schemas.openxmlformats.org/drawingml/2006/main" xmlns:r="http://schemas.openxmlformats.org/officeDocument/2006/relationships" xmlns:p="http://schemas.openxmlformats.org/presentationml/2006/main">
-  <p:tag name="TEXPOINT" val="latex"/>
-  <p:tag name="SOURCE" val="\documentclass{book}&#10;\usepackage{color}&#10;\pagestyle{empty}&#10;\input{C:/Users/markussv/depots/CMBBOOK/latex/prml-utils}&#10;\begin{document}&#10;\[&#10;\color{blue} \alpha \bfm_{N}^{\T} \bfm_{N}&#10;\]&#10;\end{document}&#10;"/>
-  <p:tag name="FILENAME" val="TP_tmp"/>
-  <p:tag name="FORMAT" val="png256"/>
-  <p:tag name="RES" val="600"/>
-  <p:tag name="BLEND" val="0"/>
-  <p:tag name="TRANSPARENT" val="1"/>
-  <p:tag name="TBUG" val="0"/>
-  <p:tag name="ALLOWFS" val="0"/>
-  <p:tag name="ORIGWIDTH" val="41"/>
-  <p:tag name="PICTUREFILESIZE" val="1878"/>
-</p:tagLst>
-</file>
-
-<file path=ppt/tags/tag88.xml><?xml version="1.0" encoding="utf-8"?>
-<p:tagLst xmlns:a="http://schemas.openxmlformats.org/drawingml/2006/main" xmlns:r="http://schemas.openxmlformats.org/officeDocument/2006/relationships" xmlns:p="http://schemas.openxmlformats.org/presentationml/2006/main">
-  <p:tag name="TEXPOINT" val="latex"/>
-  <p:tag name="SOURCE" val="\documentclass{book}&#10;\usepackage{color}&#10;\pagestyle{empty}&#10;\input{C:/Users/markussv/depots/CMBBOOK/latex/prml-utils}&#10;\begin{document}&#10;\[&#10;\color{red} \gamma&#10;\]&#10;\end{document}&#10;"/>
-  <p:tag name="FILENAME" val="TP_tmp"/>
-  <p:tag name="FORMAT" val="png256"/>
-  <p:tag name="RES" val="600"/>
-  <p:tag name="BLEND" val="0"/>
-  <p:tag name="TRANSPARENT" val="1"/>
-  <p:tag name="TBUG" val="0"/>
-  <p:tag name="ALLOWFS" val="0"/>
-  <p:tag name="ORIGWIDTH" val="7"/>
-  <p:tag name="PICTUREFILESIZE" val="1092"/>
-</p:tagLst>
-</file>
-
-<file path=ppt/tags/tag89.xml><?xml version="1.0" encoding="utf-8"?>
-<p:tagLst xmlns:a="http://schemas.openxmlformats.org/drawingml/2006/main" xmlns:r="http://schemas.openxmlformats.org/officeDocument/2006/relationships" xmlns:p="http://schemas.openxmlformats.org/presentationml/2006/main">
-  <p:tag name="TEXPOINT" val="latex"/>
-  <p:tag name="SOURCE" val="\documentclass{book}&#10;\usepackage{color}&#10;\pagestyle{empty}&#10;\input{C:/Users/markussv/depots/CMBBOOK/latex/prml-utils}&#10;\begin{document}&#10;\[&#10;\color{red} \ln p(\vectt|\alpha, \beta)&#10;\]&#10;\end{document}&#10;"/>
-  <p:tag name="FILENAME" val="TP_tmp"/>
-  <p:tag name="FORMAT" val="png256"/>
-  <p:tag name="RES" val="600"/>
-  <p:tag name="BLEND" val="0"/>
-  <p:tag name="TRANSPARENT" val="1"/>
-  <p:tag name="TBUG" val="0"/>
-  <p:tag name="ALLOWFS" val="0"/>
-  <p:tag name="ORIGWIDTH" val="46"/>
-  <p:tag name="PICTUREFILESIZE" val="2176"/>
-</p:tagLst>
-</file>
-
 <file path=ppt/tags/tag9.xml><?xml version="1.0" encoding="utf-8"?>
 <p:tagLst xmlns:a="http://schemas.openxmlformats.org/drawingml/2006/main" xmlns:r="http://schemas.openxmlformats.org/officeDocument/2006/relationships" xmlns:p="http://schemas.openxmlformats.org/presentationml/2006/main">
   <p:tag name="TEXPOINT" val="latex"/>
@@ -18862,38 +17509,6 @@
   <p:tag name="ALLOWFS" val="0"/>
   <p:tag name="ORIGWIDTH" val="79"/>
   <p:tag name="PICTUREFILESIZE" val="2349"/>
-</p:tagLst>
-</file>
-
-<file path=ppt/tags/tag90.xml><?xml version="1.0" encoding="utf-8"?>
-<p:tagLst xmlns:a="http://schemas.openxmlformats.org/drawingml/2006/main" xmlns:r="http://schemas.openxmlformats.org/officeDocument/2006/relationships" xmlns:p="http://schemas.openxmlformats.org/presentationml/2006/main">
-  <p:tag name="TEXPOINT" val="latex"/>
-  <p:tag name="SOURCE" val="\documentclass{book}&#10;\pagestyle{empty}&#10;\input{C:/Users/markussv/depots/CMBBOOK/latex/prml-utils}&#10;\begin{document}&#10;\[&#10;N \gg M&#10;\]&#10;\end{document}&#10;"/>
-  <p:tag name="FILENAME" val="TP_tmp"/>
-  <p:tag name="FORMAT" val="png256"/>
-  <p:tag name="RES" val="600"/>
-  <p:tag name="BLEND" val="0"/>
-  <p:tag name="TRANSPARENT" val="1"/>
-  <p:tag name="TBUG" val="0"/>
-  <p:tag name="ALLOWFS" val="0"/>
-  <p:tag name="ORIGWIDTH" val="36"/>
-  <p:tag name="PICTUREFILESIZE" val="1829"/>
-</p:tagLst>
-</file>
-
-<file path=ppt/tags/tag91.xml><?xml version="1.0" encoding="utf-8"?>
-<p:tagLst xmlns:a="http://schemas.openxmlformats.org/drawingml/2006/main" xmlns:r="http://schemas.openxmlformats.org/officeDocument/2006/relationships" xmlns:p="http://schemas.openxmlformats.org/presentationml/2006/main">
-  <p:tag name="TEXPOINT" val="latex"/>
-  <p:tag name="SOURCE" val="\documentclass{book}&#10;\pagestyle{empty}&#10;\input{C:/Users/markussv/depots/CMBBOOK/latex/prml-utils}&#10;\begin{document}&#10;\begin{eqnarray*}&#10;\alpha &amp; = &amp; \frac{M}{\bfm_N^\T \bfm_N} \\&#10;\frac{1}{\beta} &amp; = &amp; \frac{1}{N}&#10;  \sum_{n=1}^N \left\{ t_n -&#10;  \bfm_N^\T \boldphi(\bfx_n) \right\}^2 .&#10;\end{eqnarray*}&#10;\end{document}&#10;"/>
-  <p:tag name="FILENAME" val="TP_tmp"/>
-  <p:tag name="FORMAT" val="png256"/>
-  <p:tag name="RES" val="600"/>
-  <p:tag name="BLEND" val="0"/>
-  <p:tag name="TRANSPARENT" val="1"/>
-  <p:tag name="TBUG" val="0"/>
-  <p:tag name="ALLOWFS" val="0"/>
-  <p:tag name="ORIGWIDTH" val="150"/>
-  <p:tag name="PICTUREFILESIZE" val="8010"/>
 </p:tagLst>
 </file>
 

--- a/ML2.pptx
+++ b/ML2.pptx
@@ -336,7 +336,7 @@
             <a:fld id="{E7E810F5-0D08-4D03-84F4-008A88ACC171}" type="datetimeFigureOut">
               <a:rPr lang="en-US" smtClean="0"/>
               <a:pPr/>
-              <a:t>10/12/25</a:t>
+              <a:t>10/21/25</a:t>
             </a:fld>
             <a:endParaRPr lang="en-GB"/>
           </a:p>
@@ -503,7 +503,7 @@
             <a:fld id="{3C7B7E9D-307C-4F43-B508-A2CDC8AE20DA}" type="datetimeFigureOut">
               <a:rPr lang="en-US" smtClean="0"/>
               <a:pPr/>
-              <a:t>10/12/25</a:t>
+              <a:t>10/21/25</a:t>
             </a:fld>
             <a:endParaRPr lang="en-GB"/>
           </a:p>
@@ -1033,7 +1033,7 @@
             <a:fld id="{CB4E2D75-176A-4731-8E9E-D5878C72AE7C}" type="datetimeFigureOut">
               <a:rPr lang="en-US" smtClean="0"/>
               <a:pPr/>
-              <a:t>10/12/25</a:t>
+              <a:t>10/21/25</a:t>
             </a:fld>
             <a:endParaRPr lang="en-GB"/>
           </a:p>
@@ -1251,7 +1251,7 @@
             <a:fld id="{CB4E2D75-176A-4731-8E9E-D5878C72AE7C}" type="datetimeFigureOut">
               <a:rPr lang="en-US" smtClean="0"/>
               <a:pPr/>
-              <a:t>10/12/25</a:t>
+              <a:t>10/21/25</a:t>
             </a:fld>
             <a:endParaRPr lang="en-GB"/>
           </a:p>
@@ -1449,7 +1449,7 @@
             <a:fld id="{CB4E2D75-176A-4731-8E9E-D5878C72AE7C}" type="datetimeFigureOut">
               <a:rPr lang="en-US" smtClean="0"/>
               <a:pPr/>
-              <a:t>10/12/25</a:t>
+              <a:t>10/21/25</a:t>
             </a:fld>
             <a:endParaRPr lang="en-GB"/>
           </a:p>
@@ -1648,7 +1648,7 @@
             <a:fld id="{CB4E2D75-176A-4731-8E9E-D5878C72AE7C}" type="datetimeFigureOut">
               <a:rPr lang="en-US" smtClean="0"/>
               <a:pPr/>
-              <a:t>10/12/25</a:t>
+              <a:t>10/21/25</a:t>
             </a:fld>
             <a:endParaRPr lang="en-GB"/>
           </a:p>
@@ -1956,7 +1956,7 @@
             <a:fld id="{CB4E2D75-176A-4731-8E9E-D5878C72AE7C}" type="datetimeFigureOut">
               <a:rPr lang="en-US" smtClean="0"/>
               <a:pPr/>
-              <a:t>10/12/25</a:t>
+              <a:t>10/21/25</a:t>
             </a:fld>
             <a:endParaRPr lang="en-GB"/>
           </a:p>
@@ -2322,7 +2322,7 @@
             <a:fld id="{CB4E2D75-176A-4731-8E9E-D5878C72AE7C}" type="datetimeFigureOut">
               <a:rPr lang="en-US" smtClean="0"/>
               <a:pPr/>
-              <a:t>10/12/25</a:t>
+              <a:t>10/21/25</a:t>
             </a:fld>
             <a:endParaRPr lang="en-GB"/>
           </a:p>
@@ -2816,7 +2816,7 @@
             <a:fld id="{CB4E2D75-176A-4731-8E9E-D5878C72AE7C}" type="datetimeFigureOut">
               <a:rPr lang="en-US" smtClean="0"/>
               <a:pPr/>
-              <a:t>10/12/25</a:t>
+              <a:t>10/21/25</a:t>
             </a:fld>
             <a:endParaRPr lang="en-GB"/>
           </a:p>
@@ -2973,7 +2973,7 @@
             <a:fld id="{CB4E2D75-176A-4731-8E9E-D5878C72AE7C}" type="datetimeFigureOut">
               <a:rPr lang="en-US" smtClean="0"/>
               <a:pPr/>
-              <a:t>10/12/25</a:t>
+              <a:t>10/21/25</a:t>
             </a:fld>
             <a:endParaRPr lang="en-GB"/>
           </a:p>
@@ -3192,7 +3192,7 @@
             <a:fld id="{CB4E2D75-176A-4731-8E9E-D5878C72AE7C}" type="datetimeFigureOut">
               <a:rPr lang="en-US" smtClean="0"/>
               <a:pPr/>
-              <a:t>10/12/25</a:t>
+              <a:t>10/21/25</a:t>
             </a:fld>
             <a:endParaRPr lang="en-GB"/>
           </a:p>
@@ -3471,7 +3471,7 @@
             <a:fld id="{CB4E2D75-176A-4731-8E9E-D5878C72AE7C}" type="datetimeFigureOut">
               <a:rPr lang="en-US" smtClean="0"/>
               <a:pPr/>
-              <a:t>10/12/25</a:t>
+              <a:t>10/21/25</a:t>
             </a:fld>
             <a:endParaRPr lang="en-GB"/>
           </a:p>
@@ -3725,7 +3725,7 @@
             <a:fld id="{CB4E2D75-176A-4731-8E9E-D5878C72AE7C}" type="datetimeFigureOut">
               <a:rPr lang="en-US" smtClean="0"/>
               <a:pPr/>
-              <a:t>10/12/25</a:t>
+              <a:t>10/21/25</a:t>
             </a:fld>
             <a:endParaRPr lang="en-GB"/>
           </a:p>
@@ -3938,7 +3938,7 @@
             <a:fld id="{CB4E2D75-176A-4731-8E9E-D5878C72AE7C}" type="datetimeFigureOut">
               <a:rPr lang="en-US" smtClean="0"/>
               <a:pPr/>
-              <a:t>10/12/25</a:t>
+              <a:t>10/21/25</a:t>
             </a:fld>
             <a:endParaRPr lang="en-GB"/>
           </a:p>
